--- a/Switching Function - Reduced CMV PWM/dvdtReduction/dvdt.pptx
+++ b/Switching Function - Reduced CMV PWM/dvdtReduction/dvdt.pptx
@@ -5,7 +5,7 @@
     <p:sldMasterId id="2147483648" r:id="rId1"/>
   </p:sldMasterIdLst>
   <p:notesMasterIdLst>
-    <p:notesMasterId r:id="rId9"/>
+    <p:notesMasterId r:id="rId12"/>
   </p:notesMasterIdLst>
   <p:sldIdLst>
     <p:sldId id="256" r:id="rId2"/>
@@ -15,6 +15,9 @@
     <p:sldId id="259" r:id="rId6"/>
     <p:sldId id="263" r:id="rId7"/>
     <p:sldId id="264" r:id="rId8"/>
+    <p:sldId id="265" r:id="rId9"/>
+    <p:sldId id="267" r:id="rId10"/>
+    <p:sldId id="269" r:id="rId11"/>
   </p:sldIdLst>
   <p:sldSz cx="12192000" cy="6858000"/>
   <p:notesSz cx="6858000" cy="9144000"/>
@@ -203,7 +206,7 @@
           <a:p>
             <a:fld id="{C51242EF-9523-44CC-A9D6-8A54B75E8B6F}" type="datetimeFigureOut">
               <a:rPr lang="sv-SE" smtClean="0"/>
-              <a:t>2023-07-15</a:t>
+              <a:t>2023-07-18</a:t>
             </a:fld>
             <a:endParaRPr lang="sv-SE"/>
           </a:p>
@@ -555,6 +558,174 @@
 </p:notes>
 </file>
 
+<file path=ppt/notesSlides/notesSlide2.xml><?xml version="1.0" encoding="utf-8"?>
+<p:notes xmlns:a="http://schemas.openxmlformats.org/drawingml/2006/main" xmlns:r="http://schemas.openxmlformats.org/officeDocument/2006/relationships" xmlns:p="http://schemas.openxmlformats.org/presentationml/2006/main">
+  <p:cSld>
+    <p:spTree>
+      <p:nvGrpSpPr>
+        <p:cNvPr id="1" name=""/>
+        <p:cNvGrpSpPr/>
+        <p:nvPr/>
+      </p:nvGrpSpPr>
+      <p:grpSpPr>
+        <a:xfrm>
+          <a:off x="0" y="0"/>
+          <a:ext cx="0" cy="0"/>
+          <a:chOff x="0" y="0"/>
+          <a:chExt cx="0" cy="0"/>
+        </a:xfrm>
+      </p:grpSpPr>
+      <p:sp>
+        <p:nvSpPr>
+          <p:cNvPr id="2" name="Slide Image Placeholder 1"/>
+          <p:cNvSpPr>
+            <a:spLocks noGrp="1" noRot="1" noChangeAspect="1"/>
+          </p:cNvSpPr>
+          <p:nvPr>
+            <p:ph type="sldImg"/>
+          </p:nvPr>
+        </p:nvSpPr>
+        <p:spPr/>
+      </p:sp>
+      <p:sp>
+        <p:nvSpPr>
+          <p:cNvPr id="3" name="Notes Placeholder 2"/>
+          <p:cNvSpPr>
+            <a:spLocks noGrp="1"/>
+          </p:cNvSpPr>
+          <p:nvPr>
+            <p:ph type="body" idx="1"/>
+          </p:nvPr>
+        </p:nvSpPr>
+        <p:spPr/>
+        <p:txBody>
+          <a:bodyPr/>
+          <a:lstStyle/>
+          <a:p>
+            <a:endParaRPr lang="sv-SE" dirty="0"/>
+          </a:p>
+        </p:txBody>
+      </p:sp>
+      <p:sp>
+        <p:nvSpPr>
+          <p:cNvPr id="4" name="Slide Number Placeholder 3"/>
+          <p:cNvSpPr>
+            <a:spLocks noGrp="1"/>
+          </p:cNvSpPr>
+          <p:nvPr>
+            <p:ph type="sldNum" sz="quarter" idx="10"/>
+          </p:nvPr>
+        </p:nvSpPr>
+        <p:spPr/>
+        <p:txBody>
+          <a:bodyPr/>
+          <a:lstStyle/>
+          <a:p>
+            <a:fld id="{A07A3E73-AB6F-473D-8A0C-3F8FACBF84DC}" type="slidenum">
+              <a:rPr lang="sv-SE" smtClean="0"/>
+              <a:t>6</a:t>
+            </a:fld>
+            <a:endParaRPr lang="sv-SE"/>
+          </a:p>
+        </p:txBody>
+      </p:sp>
+    </p:spTree>
+    <p:extLst>
+      <p:ext uri="{BB962C8B-B14F-4D97-AF65-F5344CB8AC3E}">
+        <p14:creationId xmlns:p14="http://schemas.microsoft.com/office/powerpoint/2010/main" val="4150375257"/>
+      </p:ext>
+    </p:extLst>
+  </p:cSld>
+  <p:clrMapOvr>
+    <a:masterClrMapping/>
+  </p:clrMapOvr>
+</p:notes>
+</file>
+
+<file path=ppt/notesSlides/notesSlide3.xml><?xml version="1.0" encoding="utf-8"?>
+<p:notes xmlns:a="http://schemas.openxmlformats.org/drawingml/2006/main" xmlns:r="http://schemas.openxmlformats.org/officeDocument/2006/relationships" xmlns:p="http://schemas.openxmlformats.org/presentationml/2006/main">
+  <p:cSld>
+    <p:spTree>
+      <p:nvGrpSpPr>
+        <p:cNvPr id="1" name=""/>
+        <p:cNvGrpSpPr/>
+        <p:nvPr/>
+      </p:nvGrpSpPr>
+      <p:grpSpPr>
+        <a:xfrm>
+          <a:off x="0" y="0"/>
+          <a:ext cx="0" cy="0"/>
+          <a:chOff x="0" y="0"/>
+          <a:chExt cx="0" cy="0"/>
+        </a:xfrm>
+      </p:grpSpPr>
+      <p:sp>
+        <p:nvSpPr>
+          <p:cNvPr id="2" name="Slide Image Placeholder 1"/>
+          <p:cNvSpPr>
+            <a:spLocks noGrp="1" noRot="1" noChangeAspect="1"/>
+          </p:cNvSpPr>
+          <p:nvPr>
+            <p:ph type="sldImg"/>
+          </p:nvPr>
+        </p:nvSpPr>
+        <p:spPr/>
+      </p:sp>
+      <p:sp>
+        <p:nvSpPr>
+          <p:cNvPr id="3" name="Notes Placeholder 2"/>
+          <p:cNvSpPr>
+            <a:spLocks noGrp="1"/>
+          </p:cNvSpPr>
+          <p:nvPr>
+            <p:ph type="body" idx="1"/>
+          </p:nvPr>
+        </p:nvSpPr>
+        <p:spPr/>
+        <p:txBody>
+          <a:bodyPr/>
+          <a:lstStyle/>
+          <a:p>
+            <a:endParaRPr lang="sv-SE" dirty="0"/>
+          </a:p>
+        </p:txBody>
+      </p:sp>
+      <p:sp>
+        <p:nvSpPr>
+          <p:cNvPr id="4" name="Slide Number Placeholder 3"/>
+          <p:cNvSpPr>
+            <a:spLocks noGrp="1"/>
+          </p:cNvSpPr>
+          <p:nvPr>
+            <p:ph type="sldNum" sz="quarter" idx="10"/>
+          </p:nvPr>
+        </p:nvSpPr>
+        <p:spPr/>
+        <p:txBody>
+          <a:bodyPr/>
+          <a:lstStyle/>
+          <a:p>
+            <a:fld id="{A07A3E73-AB6F-473D-8A0C-3F8FACBF84DC}" type="slidenum">
+              <a:rPr lang="sv-SE" smtClean="0"/>
+              <a:t>8</a:t>
+            </a:fld>
+            <a:endParaRPr lang="sv-SE"/>
+          </a:p>
+        </p:txBody>
+      </p:sp>
+    </p:spTree>
+    <p:extLst>
+      <p:ext uri="{BB962C8B-B14F-4D97-AF65-F5344CB8AC3E}">
+        <p14:creationId xmlns:p14="http://schemas.microsoft.com/office/powerpoint/2010/main" val="1217811430"/>
+      </p:ext>
+    </p:extLst>
+  </p:cSld>
+  <p:clrMapOvr>
+    <a:masterClrMapping/>
+  </p:clrMapOvr>
+</p:notes>
+</file>
+
 <file path=ppt/slideLayouts/slideLayout1.xml><?xml version="1.0" encoding="utf-8"?>
 <p:sldLayout xmlns:a="http://schemas.openxmlformats.org/drawingml/2006/main" xmlns:r="http://schemas.openxmlformats.org/officeDocument/2006/relationships" xmlns:p="http://schemas.openxmlformats.org/presentationml/2006/main" type="title" preserve="1">
   <p:cSld name="Title Slide">
@@ -686,7 +857,7 @@
           <a:p>
             <a:fld id="{DCB46C5C-7B3C-46DF-B479-A650EF2753E0}" type="datetimeFigureOut">
               <a:rPr lang="sv-SE" smtClean="0"/>
-              <a:t>2023-07-15</a:t>
+              <a:t>2023-07-18</a:t>
             </a:fld>
             <a:endParaRPr lang="sv-SE"/>
           </a:p>
@@ -856,7 +1027,7 @@
           <a:p>
             <a:fld id="{DCB46C5C-7B3C-46DF-B479-A650EF2753E0}" type="datetimeFigureOut">
               <a:rPr lang="sv-SE" smtClean="0"/>
-              <a:t>2023-07-15</a:t>
+              <a:t>2023-07-18</a:t>
             </a:fld>
             <a:endParaRPr lang="sv-SE"/>
           </a:p>
@@ -1036,7 +1207,7 @@
           <a:p>
             <a:fld id="{DCB46C5C-7B3C-46DF-B479-A650EF2753E0}" type="datetimeFigureOut">
               <a:rPr lang="sv-SE" smtClean="0"/>
-              <a:t>2023-07-15</a:t>
+              <a:t>2023-07-18</a:t>
             </a:fld>
             <a:endParaRPr lang="sv-SE"/>
           </a:p>
@@ -1206,7 +1377,7 @@
           <a:p>
             <a:fld id="{DCB46C5C-7B3C-46DF-B479-A650EF2753E0}" type="datetimeFigureOut">
               <a:rPr lang="sv-SE" smtClean="0"/>
-              <a:t>2023-07-15</a:t>
+              <a:t>2023-07-18</a:t>
             </a:fld>
             <a:endParaRPr lang="sv-SE"/>
           </a:p>
@@ -1452,7 +1623,7 @@
           <a:p>
             <a:fld id="{DCB46C5C-7B3C-46DF-B479-A650EF2753E0}" type="datetimeFigureOut">
               <a:rPr lang="sv-SE" smtClean="0"/>
-              <a:t>2023-07-15</a:t>
+              <a:t>2023-07-18</a:t>
             </a:fld>
             <a:endParaRPr lang="sv-SE"/>
           </a:p>
@@ -1684,7 +1855,7 @@
           <a:p>
             <a:fld id="{DCB46C5C-7B3C-46DF-B479-A650EF2753E0}" type="datetimeFigureOut">
               <a:rPr lang="sv-SE" smtClean="0"/>
-              <a:t>2023-07-15</a:t>
+              <a:t>2023-07-18</a:t>
             </a:fld>
             <a:endParaRPr lang="sv-SE"/>
           </a:p>
@@ -2051,7 +2222,7 @@
           <a:p>
             <a:fld id="{DCB46C5C-7B3C-46DF-B479-A650EF2753E0}" type="datetimeFigureOut">
               <a:rPr lang="sv-SE" smtClean="0"/>
-              <a:t>2023-07-15</a:t>
+              <a:t>2023-07-18</a:t>
             </a:fld>
             <a:endParaRPr lang="sv-SE"/>
           </a:p>
@@ -2169,7 +2340,7 @@
           <a:p>
             <a:fld id="{DCB46C5C-7B3C-46DF-B479-A650EF2753E0}" type="datetimeFigureOut">
               <a:rPr lang="sv-SE" smtClean="0"/>
-              <a:t>2023-07-15</a:t>
+              <a:t>2023-07-18</a:t>
             </a:fld>
             <a:endParaRPr lang="sv-SE"/>
           </a:p>
@@ -2264,7 +2435,7 @@
           <a:p>
             <a:fld id="{DCB46C5C-7B3C-46DF-B479-A650EF2753E0}" type="datetimeFigureOut">
               <a:rPr lang="sv-SE" smtClean="0"/>
-              <a:t>2023-07-15</a:t>
+              <a:t>2023-07-18</a:t>
             </a:fld>
             <a:endParaRPr lang="sv-SE"/>
           </a:p>
@@ -2541,7 +2712,7 @@
           <a:p>
             <a:fld id="{DCB46C5C-7B3C-46DF-B479-A650EF2753E0}" type="datetimeFigureOut">
               <a:rPr lang="sv-SE" smtClean="0"/>
-              <a:t>2023-07-15</a:t>
+              <a:t>2023-07-18</a:t>
             </a:fld>
             <a:endParaRPr lang="sv-SE"/>
           </a:p>
@@ -2794,7 +2965,7 @@
           <a:p>
             <a:fld id="{DCB46C5C-7B3C-46DF-B479-A650EF2753E0}" type="datetimeFigureOut">
               <a:rPr lang="sv-SE" smtClean="0"/>
-              <a:t>2023-07-15</a:t>
+              <a:t>2023-07-18</a:t>
             </a:fld>
             <a:endParaRPr lang="sv-SE"/>
           </a:p>
@@ -3007,7 +3178,7 @@
           <a:p>
             <a:fld id="{DCB46C5C-7B3C-46DF-B479-A650EF2753E0}" type="datetimeFigureOut">
               <a:rPr lang="sv-SE" smtClean="0"/>
-              <a:t>2023-07-15</a:t>
+              <a:t>2023-07-18</a:t>
             </a:fld>
             <a:endParaRPr lang="sv-SE"/>
           </a:p>
@@ -3529,14 +3700,7 @@
                 <a:latin typeface="Times New Roman" panose="02020603050405020304" pitchFamily="18" charset="0"/>
                 <a:cs typeface="Times New Roman" panose="02020603050405020304" pitchFamily="18" charset="0"/>
               </a:rPr>
-              <a:t>We can </a:t>
-            </a:r>
-            <a:r>
-              <a:rPr lang="en-US" dirty="0" smtClean="0">
-                <a:latin typeface="Times New Roman" panose="02020603050405020304" pitchFamily="18" charset="0"/>
-                <a:cs typeface="Times New Roman" panose="02020603050405020304" pitchFamily="18" charset="0"/>
-              </a:rPr>
-              <a:t>generate </a:t>
+              <a:t>We can generate </a:t>
             </a:r>
             <a:r>
               <a:rPr lang="en-US" b="1" dirty="0" smtClean="0">
@@ -3576,18 +3740,18 @@
               <a:t>Conventionally, it is common  that one carrier signal is utilized. However, for multi-module or </a:t>
             </a:r>
             <a:r>
-              <a:rPr lang="en-US" dirty="0" err="1" smtClean="0">
-                <a:latin typeface="Times New Roman" panose="02020603050405020304" pitchFamily="18" charset="0"/>
-                <a:cs typeface="Times New Roman" panose="02020603050405020304" pitchFamily="18" charset="0"/>
-              </a:rPr>
-              <a:t>multï</a:t>
-            </a:r>
-            <a:r>
               <a:rPr lang="en-US" dirty="0" smtClean="0">
                 <a:latin typeface="Times New Roman" panose="02020603050405020304" pitchFamily="18" charset="0"/>
                 <a:cs typeface="Times New Roman" panose="02020603050405020304" pitchFamily="18" charset="0"/>
               </a:rPr>
-              <a:t>-phase inverters, </a:t>
+              <a:t>multi-phase </a:t>
+            </a:r>
+            <a:r>
+              <a:rPr lang="en-US" dirty="0" smtClean="0">
+                <a:latin typeface="Times New Roman" panose="02020603050405020304" pitchFamily="18" charset="0"/>
+                <a:cs typeface="Times New Roman" panose="02020603050405020304" pitchFamily="18" charset="0"/>
+              </a:rPr>
+              <a:t>inverters, </a:t>
             </a:r>
             <a:r>
               <a:rPr lang="en-US" b="1" dirty="0" smtClean="0">
@@ -3628,6 +3792,327 @@
     <p:extLst>
       <p:ext uri="{BB962C8B-B14F-4D97-AF65-F5344CB8AC3E}">
         <p14:creationId xmlns:p14="http://schemas.microsoft.com/office/powerpoint/2010/main" val="3615300064"/>
+      </p:ext>
+    </p:extLst>
+  </p:cSld>
+  <p:clrMapOvr>
+    <a:masterClrMapping/>
+  </p:clrMapOvr>
+</p:sld>
+</file>
+
+<file path=ppt/slides/slide10.xml><?xml version="1.0" encoding="utf-8"?>
+<p:sld xmlns:a="http://schemas.openxmlformats.org/drawingml/2006/main" xmlns:r="http://schemas.openxmlformats.org/officeDocument/2006/relationships" xmlns:p="http://schemas.openxmlformats.org/presentationml/2006/main">
+  <p:cSld>
+    <p:spTree>
+      <p:nvGrpSpPr>
+        <p:cNvPr id="1" name=""/>
+        <p:cNvGrpSpPr/>
+        <p:nvPr/>
+      </p:nvGrpSpPr>
+      <p:grpSpPr>
+        <a:xfrm>
+          <a:off x="0" y="0"/>
+          <a:ext cx="0" cy="0"/>
+          <a:chOff x="0" y="0"/>
+          <a:chExt cx="0" cy="0"/>
+        </a:xfrm>
+      </p:grpSpPr>
+      <p:sp>
+        <p:nvSpPr>
+          <p:cNvPr id="5" name="TextBox 4"/>
+          <p:cNvSpPr txBox="1"/>
+          <p:nvPr/>
+        </p:nvSpPr>
+        <p:spPr>
+          <a:xfrm>
+            <a:off x="4653280" y="213360"/>
+            <a:ext cx="2621280" cy="707886"/>
+          </a:xfrm>
+          <a:prstGeom prst="rect">
+            <a:avLst/>
+          </a:prstGeom>
+          <a:noFill/>
+        </p:spPr>
+        <p:txBody>
+          <a:bodyPr wrap="square" rtlCol="0">
+            <a:spAutoFit/>
+          </a:bodyPr>
+          <a:lstStyle/>
+          <a:p>
+            <a:r>
+              <a:rPr lang="en-US" sz="4000" dirty="0" smtClean="0">
+                <a:solidFill>
+                  <a:srgbClr val="C00000"/>
+                </a:solidFill>
+              </a:rPr>
+              <a:t>Drawbacks</a:t>
+            </a:r>
+            <a:endParaRPr lang="sv-SE" sz="4000" dirty="0">
+              <a:solidFill>
+                <a:srgbClr val="C00000"/>
+              </a:solidFill>
+            </a:endParaRPr>
+          </a:p>
+        </p:txBody>
+      </p:sp>
+      <p:sp>
+        <p:nvSpPr>
+          <p:cNvPr id="6" name="TextBox 5"/>
+          <p:cNvSpPr txBox="1"/>
+          <p:nvPr/>
+        </p:nvSpPr>
+        <p:spPr>
+          <a:xfrm>
+            <a:off x="856621" y="921246"/>
+            <a:ext cx="10556240" cy="1477328"/>
+          </a:xfrm>
+          <a:prstGeom prst="rect">
+            <a:avLst/>
+          </a:prstGeom>
+          <a:noFill/>
+        </p:spPr>
+        <p:txBody>
+          <a:bodyPr wrap="square" rtlCol="0">
+            <a:spAutoFit/>
+          </a:bodyPr>
+          <a:lstStyle/>
+          <a:p>
+            <a:pPr marL="285750" indent="-285750">
+              <a:buFont typeface="Arial" panose="020B0604020202020204" pitchFamily="34" charset="0"/>
+              <a:buChar char="•"/>
+            </a:pPr>
+            <a:r>
+              <a:rPr lang="en-US" dirty="0" smtClean="0">
+                <a:latin typeface="Times New Roman" panose="02020603050405020304" pitchFamily="18" charset="0"/>
+                <a:cs typeface="Times New Roman" panose="02020603050405020304" pitchFamily="18" charset="0"/>
+              </a:rPr>
+              <a:t>The maximum modulation is limited to 2/3 due to DC injection.</a:t>
+            </a:r>
+          </a:p>
+          <a:p>
+            <a:pPr marL="285750" indent="-285750">
+              <a:buFont typeface="Arial" panose="020B0604020202020204" pitchFamily="34" charset="0"/>
+              <a:buChar char="•"/>
+            </a:pPr>
+            <a:endParaRPr lang="en-US" dirty="0">
+              <a:latin typeface="Times New Roman" panose="02020603050405020304" pitchFamily="18" charset="0"/>
+              <a:cs typeface="Times New Roman" panose="02020603050405020304" pitchFamily="18" charset="0"/>
+            </a:endParaRPr>
+          </a:p>
+          <a:p>
+            <a:pPr marL="285750" indent="-285750">
+              <a:buFont typeface="Arial" panose="020B0604020202020204" pitchFamily="34" charset="0"/>
+              <a:buChar char="•"/>
+            </a:pPr>
+            <a:r>
+              <a:rPr lang="en-US" dirty="0" smtClean="0">
+                <a:latin typeface="Times New Roman" panose="02020603050405020304" pitchFamily="18" charset="0"/>
+                <a:cs typeface="Times New Roman" panose="02020603050405020304" pitchFamily="18" charset="0"/>
+              </a:rPr>
+              <a:t>Implementation is difficult due to delay time of practical components and other </a:t>
+            </a:r>
+            <a:r>
+              <a:rPr lang="en-US" dirty="0" err="1" smtClean="0">
+                <a:latin typeface="Times New Roman" panose="02020603050405020304" pitchFamily="18" charset="0"/>
+                <a:cs typeface="Times New Roman" panose="02020603050405020304" pitchFamily="18" charset="0"/>
+              </a:rPr>
+              <a:t>nonidealities</a:t>
+            </a:r>
+            <a:r>
+              <a:rPr lang="en-US" dirty="0" smtClean="0">
+                <a:latin typeface="Times New Roman" panose="02020603050405020304" pitchFamily="18" charset="0"/>
+                <a:cs typeface="Times New Roman" panose="02020603050405020304" pitchFamily="18" charset="0"/>
+              </a:rPr>
+              <a:t>.</a:t>
+            </a:r>
+          </a:p>
+          <a:p>
+            <a:endParaRPr lang="en-US" dirty="0">
+              <a:latin typeface="Times New Roman" panose="02020603050405020304" pitchFamily="18" charset="0"/>
+              <a:cs typeface="Times New Roman" panose="02020603050405020304" pitchFamily="18" charset="0"/>
+            </a:endParaRPr>
+          </a:p>
+          <a:p>
+            <a:pPr marL="285750" indent="-285750">
+              <a:buFont typeface="Arial" panose="020B0604020202020204" pitchFamily="34" charset="0"/>
+              <a:buChar char="•"/>
+            </a:pPr>
+            <a:endParaRPr lang="en-US" dirty="0" smtClean="0">
+              <a:latin typeface="Times New Roman" panose="02020603050405020304" pitchFamily="18" charset="0"/>
+              <a:cs typeface="Times New Roman" panose="02020603050405020304" pitchFamily="18" charset="0"/>
+            </a:endParaRPr>
+          </a:p>
+        </p:txBody>
+      </p:sp>
+      <p:sp>
+        <p:nvSpPr>
+          <p:cNvPr id="7" name="TextBox 6"/>
+          <p:cNvSpPr txBox="1"/>
+          <p:nvPr/>
+        </p:nvSpPr>
+        <p:spPr>
+          <a:xfrm>
+            <a:off x="3416941" y="2153245"/>
+            <a:ext cx="5435600" cy="707886"/>
+          </a:xfrm>
+          <a:prstGeom prst="rect">
+            <a:avLst/>
+          </a:prstGeom>
+          <a:noFill/>
+        </p:spPr>
+        <p:txBody>
+          <a:bodyPr wrap="square" rtlCol="0">
+            <a:spAutoFit/>
+          </a:bodyPr>
+          <a:lstStyle/>
+          <a:p>
+            <a:r>
+              <a:rPr lang="en-US" sz="4000" dirty="0" smtClean="0">
+                <a:solidFill>
+                  <a:srgbClr val="C00000"/>
+                </a:solidFill>
+              </a:rPr>
+              <a:t>Further Investigation</a:t>
+            </a:r>
+            <a:endParaRPr lang="sv-SE" sz="4000" dirty="0">
+              <a:solidFill>
+                <a:srgbClr val="C00000"/>
+              </a:solidFill>
+            </a:endParaRPr>
+          </a:p>
+        </p:txBody>
+      </p:sp>
+      <p:sp>
+        <p:nvSpPr>
+          <p:cNvPr id="12" name="TextBox 11"/>
+          <p:cNvSpPr txBox="1"/>
+          <p:nvPr/>
+        </p:nvSpPr>
+        <p:spPr>
+          <a:xfrm>
+            <a:off x="958221" y="3197086"/>
+            <a:ext cx="10556240" cy="2031325"/>
+          </a:xfrm>
+          <a:prstGeom prst="rect">
+            <a:avLst/>
+          </a:prstGeom>
+          <a:noFill/>
+        </p:spPr>
+        <p:txBody>
+          <a:bodyPr wrap="square" rtlCol="0">
+            <a:spAutoFit/>
+          </a:bodyPr>
+          <a:lstStyle/>
+          <a:p>
+            <a:pPr marL="285750" indent="-285750">
+              <a:buFont typeface="Arial" panose="020B0604020202020204" pitchFamily="34" charset="0"/>
+              <a:buChar char="•"/>
+            </a:pPr>
+            <a:r>
+              <a:rPr lang="en-US" dirty="0" smtClean="0">
+                <a:latin typeface="Times New Roman" panose="02020603050405020304" pitchFamily="18" charset="0"/>
+                <a:cs typeface="Times New Roman" panose="02020603050405020304" pitchFamily="18" charset="0"/>
+              </a:rPr>
+              <a:t>SVPWM or third harmonic injection to increase DC-link utilization.</a:t>
+            </a:r>
+          </a:p>
+          <a:p>
+            <a:pPr marL="285750" indent="-285750">
+              <a:buFont typeface="Arial" panose="020B0604020202020204" pitchFamily="34" charset="0"/>
+              <a:buChar char="•"/>
+            </a:pPr>
+            <a:endParaRPr lang="en-US" dirty="0">
+              <a:latin typeface="Times New Roman" panose="02020603050405020304" pitchFamily="18" charset="0"/>
+              <a:cs typeface="Times New Roman" panose="02020603050405020304" pitchFamily="18" charset="0"/>
+            </a:endParaRPr>
+          </a:p>
+          <a:p>
+            <a:pPr marL="285750" indent="-285750">
+              <a:buFont typeface="Arial" panose="020B0604020202020204" pitchFamily="34" charset="0"/>
+              <a:buChar char="•"/>
+            </a:pPr>
+            <a:r>
+              <a:rPr lang="en-US" dirty="0" smtClean="0">
+                <a:latin typeface="Times New Roman" panose="02020603050405020304" pitchFamily="18" charset="0"/>
+                <a:cs typeface="Times New Roman" panose="02020603050405020304" pitchFamily="18" charset="0"/>
+              </a:rPr>
+              <a:t>Constant dv/</a:t>
+            </a:r>
+            <a:r>
+              <a:rPr lang="en-US" dirty="0" err="1" smtClean="0">
+                <a:latin typeface="Times New Roman" panose="02020603050405020304" pitchFamily="18" charset="0"/>
+                <a:cs typeface="Times New Roman" panose="02020603050405020304" pitchFamily="18" charset="0"/>
+              </a:rPr>
+              <a:t>dt</a:t>
+            </a:r>
+            <a:r>
+              <a:rPr lang="en-US" dirty="0" smtClean="0">
+                <a:latin typeface="Times New Roman" panose="02020603050405020304" pitchFamily="18" charset="0"/>
+                <a:cs typeface="Times New Roman" panose="02020603050405020304" pitchFamily="18" charset="0"/>
+              </a:rPr>
+              <a:t> for both turn-on and turn-off transition. (Variable gate resistance)</a:t>
+            </a:r>
+          </a:p>
+          <a:p>
+            <a:pPr marL="285750" indent="-285750">
+              <a:buFont typeface="Arial" panose="020B0604020202020204" pitchFamily="34" charset="0"/>
+              <a:buChar char="•"/>
+            </a:pPr>
+            <a:endParaRPr lang="en-US" dirty="0">
+              <a:latin typeface="Times New Roman" panose="02020603050405020304" pitchFamily="18" charset="0"/>
+              <a:cs typeface="Times New Roman" panose="02020603050405020304" pitchFamily="18" charset="0"/>
+            </a:endParaRPr>
+          </a:p>
+          <a:p>
+            <a:pPr marL="285750" indent="-285750">
+              <a:buFont typeface="Arial" panose="020B0604020202020204" pitchFamily="34" charset="0"/>
+              <a:buChar char="•"/>
+            </a:pPr>
+            <a:r>
+              <a:rPr lang="en-US" dirty="0" smtClean="0">
+                <a:latin typeface="Times New Roman" panose="02020603050405020304" pitchFamily="18" charset="0"/>
+                <a:cs typeface="Times New Roman" panose="02020603050405020304" pitchFamily="18" charset="0"/>
+              </a:rPr>
+              <a:t>Enhanced mathematical model including dead time, different dv/</a:t>
+            </a:r>
+            <a:r>
+              <a:rPr lang="en-US" dirty="0" err="1" smtClean="0">
+                <a:latin typeface="Times New Roman" panose="02020603050405020304" pitchFamily="18" charset="0"/>
+                <a:cs typeface="Times New Roman" panose="02020603050405020304" pitchFamily="18" charset="0"/>
+              </a:rPr>
+              <a:t>dt</a:t>
+            </a:r>
+            <a:r>
+              <a:rPr lang="en-US" dirty="0" smtClean="0">
+                <a:latin typeface="Times New Roman" panose="02020603050405020304" pitchFamily="18" charset="0"/>
+                <a:cs typeface="Times New Roman" panose="02020603050405020304" pitchFamily="18" charset="0"/>
+              </a:rPr>
+              <a:t> effect (different loading).</a:t>
+            </a:r>
+          </a:p>
+          <a:p>
+            <a:endParaRPr lang="en-US" dirty="0">
+              <a:latin typeface="Times New Roman" panose="02020603050405020304" pitchFamily="18" charset="0"/>
+              <a:cs typeface="Times New Roman" panose="02020603050405020304" pitchFamily="18" charset="0"/>
+            </a:endParaRPr>
+          </a:p>
+          <a:p>
+            <a:pPr marL="285750" indent="-285750">
+              <a:buFont typeface="Arial" panose="020B0604020202020204" pitchFamily="34" charset="0"/>
+              <a:buChar char="•"/>
+            </a:pPr>
+            <a:endParaRPr lang="en-US" dirty="0" smtClean="0">
+              <a:latin typeface="Times New Roman" panose="02020603050405020304" pitchFamily="18" charset="0"/>
+              <a:cs typeface="Times New Roman" panose="02020603050405020304" pitchFamily="18" charset="0"/>
+            </a:endParaRPr>
+          </a:p>
+        </p:txBody>
+      </p:sp>
+    </p:spTree>
+    <p:extLst>
+      <p:ext uri="{BB962C8B-B14F-4D97-AF65-F5344CB8AC3E}">
+        <p14:creationId xmlns:p14="http://schemas.microsoft.com/office/powerpoint/2010/main" val="3992381661"/>
       </p:ext>
     </p:extLst>
   </p:cSld>
@@ -3656,7 +4141,7 @@
       </p:grpSpPr>
       <p:pic>
         <p:nvPicPr>
-          <p:cNvPr id="2" name="Picture 1"/>
+          <p:cNvPr id="54" name="Picture 53"/>
           <p:cNvPicPr>
             <a:picLocks noChangeAspect="1"/>
           </p:cNvPicPr>
@@ -3670,8 +4155,8 @@
         </p:blipFill>
         <p:spPr>
           <a:xfrm>
-            <a:off x="275381" y="2717266"/>
-            <a:ext cx="3524459" cy="2643344"/>
+            <a:off x="7315051" y="2578082"/>
+            <a:ext cx="4055533" cy="3041650"/>
           </a:xfrm>
           <a:prstGeom prst="rect">
             <a:avLst/>
@@ -3680,7 +4165,7 @@
       </p:pic>
       <p:pic>
         <p:nvPicPr>
-          <p:cNvPr id="3" name="Picture 2"/>
+          <p:cNvPr id="47" name="Picture 46"/>
           <p:cNvPicPr>
             <a:picLocks noChangeAspect="1"/>
           </p:cNvPicPr>
@@ -3694,8 +4179,8 @@
         </p:blipFill>
         <p:spPr>
           <a:xfrm>
-            <a:off x="3647440" y="2754570"/>
-            <a:ext cx="3474720" cy="2606040"/>
+            <a:off x="3568574" y="2650584"/>
+            <a:ext cx="3700839" cy="2775629"/>
           </a:xfrm>
           <a:prstGeom prst="rect">
             <a:avLst/>
@@ -3709,9 +4194,9 @@
           <p:nvPr/>
         </p:nvCxnSpPr>
         <p:spPr>
-          <a:xfrm flipV="1">
-            <a:off x="4150737" y="3058397"/>
-            <a:ext cx="707648" cy="6619"/>
+          <a:xfrm>
+            <a:off x="4105359" y="2987166"/>
+            <a:ext cx="451083" cy="413"/>
           </a:xfrm>
           <a:prstGeom prst="straightConnector1">
             <a:avLst/>
@@ -3744,8 +4229,8 @@
         </p:nvCxnSpPr>
         <p:spPr>
           <a:xfrm flipH="1">
-            <a:off x="6110923" y="3047823"/>
-            <a:ext cx="651711" cy="10574"/>
+            <a:off x="6351136" y="2987166"/>
+            <a:ext cx="481432" cy="0"/>
           </a:xfrm>
           <a:prstGeom prst="straightConnector1">
             <a:avLst/>
@@ -3906,8 +4391,8 @@
         </p:nvCxnSpPr>
         <p:spPr>
           <a:xfrm flipH="1">
-            <a:off x="5764077" y="3681640"/>
-            <a:ext cx="907233" cy="11318"/>
+            <a:off x="6091935" y="3670322"/>
+            <a:ext cx="744047" cy="3206"/>
           </a:xfrm>
           <a:prstGeom prst="straightConnector1">
             <a:avLst/>
@@ -3939,9 +4424,9 @@
           <p:nvPr/>
         </p:nvCxnSpPr>
         <p:spPr>
-          <a:xfrm>
-            <a:off x="4081623" y="3681640"/>
-            <a:ext cx="1072037" cy="5407"/>
+          <a:xfrm flipV="1">
+            <a:off x="4081623" y="3673528"/>
+            <a:ext cx="835110" cy="8112"/>
           </a:xfrm>
           <a:prstGeom prst="straightConnector1">
             <a:avLst/>
@@ -4229,9 +4714,9 @@
           <p:nvPr/>
         </p:nvCxnSpPr>
         <p:spPr>
-          <a:xfrm flipV="1">
-            <a:off x="4137506" y="4964690"/>
-            <a:ext cx="367055" cy="1226"/>
+          <a:xfrm>
+            <a:off x="4105359" y="4326843"/>
+            <a:ext cx="185721" cy="2942"/>
           </a:xfrm>
           <a:prstGeom prst="straightConnector1">
             <a:avLst/>
@@ -4264,8 +4749,8 @@
         </p:nvCxnSpPr>
         <p:spPr>
           <a:xfrm flipH="1">
-            <a:off x="6421257" y="4969158"/>
-            <a:ext cx="319240" cy="2693"/>
+            <a:off x="6621786" y="4362564"/>
+            <a:ext cx="217666" cy="0"/>
           </a:xfrm>
           <a:prstGeom prst="straightConnector1">
             <a:avLst/>
@@ -4405,699 +4890,6 @@
           </a:p>
         </p:txBody>
       </p:sp>
-      <p:cxnSp>
-        <p:nvCxnSpPr>
-          <p:cNvPr id="34" name="Straight Connector 33"/>
-          <p:cNvCxnSpPr/>
-          <p:nvPr/>
-        </p:nvCxnSpPr>
-        <p:spPr>
-          <a:xfrm flipV="1">
-            <a:off x="7714429" y="3367400"/>
-            <a:ext cx="491759" cy="8046"/>
-          </a:xfrm>
-          <a:prstGeom prst="line">
-            <a:avLst/>
-          </a:prstGeom>
-          <a:ln w="38100">
-            <a:solidFill>
-              <a:schemeClr val="tx1"/>
-            </a:solidFill>
-          </a:ln>
-        </p:spPr>
-        <p:style>
-          <a:lnRef idx="1">
-            <a:schemeClr val="accent1"/>
-          </a:lnRef>
-          <a:fillRef idx="0">
-            <a:schemeClr val="accent1"/>
-          </a:fillRef>
-          <a:effectRef idx="0">
-            <a:schemeClr val="accent1"/>
-          </a:effectRef>
-          <a:fontRef idx="minor">
-            <a:schemeClr val="tx1"/>
-          </a:fontRef>
-        </p:style>
-      </p:cxnSp>
-      <p:cxnSp>
-        <p:nvCxnSpPr>
-          <p:cNvPr id="35" name="Straight Connector 34"/>
-          <p:cNvCxnSpPr/>
-          <p:nvPr/>
-        </p:nvCxnSpPr>
-        <p:spPr>
-          <a:xfrm>
-            <a:off x="8206188" y="3367400"/>
-            <a:ext cx="0" cy="670999"/>
-          </a:xfrm>
-          <a:prstGeom prst="line">
-            <a:avLst/>
-          </a:prstGeom>
-          <a:ln w="38100">
-            <a:solidFill>
-              <a:schemeClr val="tx1"/>
-            </a:solidFill>
-          </a:ln>
-        </p:spPr>
-        <p:style>
-          <a:lnRef idx="1">
-            <a:schemeClr val="accent1"/>
-          </a:lnRef>
-          <a:fillRef idx="0">
-            <a:schemeClr val="accent1"/>
-          </a:fillRef>
-          <a:effectRef idx="0">
-            <a:schemeClr val="accent1"/>
-          </a:effectRef>
-          <a:fontRef idx="minor">
-            <a:schemeClr val="tx1"/>
-          </a:fontRef>
-        </p:style>
-      </p:cxnSp>
-      <p:cxnSp>
-        <p:nvCxnSpPr>
-          <p:cNvPr id="36" name="Straight Connector 35"/>
-          <p:cNvCxnSpPr/>
-          <p:nvPr/>
-        </p:nvCxnSpPr>
-        <p:spPr>
-          <a:xfrm>
-            <a:off x="8206189" y="4038399"/>
-            <a:ext cx="536672" cy="0"/>
-          </a:xfrm>
-          <a:prstGeom prst="line">
-            <a:avLst/>
-          </a:prstGeom>
-          <a:ln w="38100">
-            <a:solidFill>
-              <a:schemeClr val="tx1"/>
-            </a:solidFill>
-          </a:ln>
-        </p:spPr>
-        <p:style>
-          <a:lnRef idx="1">
-            <a:schemeClr val="accent1"/>
-          </a:lnRef>
-          <a:fillRef idx="0">
-            <a:schemeClr val="accent1"/>
-          </a:fillRef>
-          <a:effectRef idx="0">
-            <a:schemeClr val="accent1"/>
-          </a:effectRef>
-          <a:fontRef idx="minor">
-            <a:schemeClr val="tx1"/>
-          </a:fontRef>
-        </p:style>
-      </p:cxnSp>
-      <p:cxnSp>
-        <p:nvCxnSpPr>
-          <p:cNvPr id="37" name="Straight Connector 36"/>
-          <p:cNvCxnSpPr/>
-          <p:nvPr/>
-        </p:nvCxnSpPr>
-        <p:spPr>
-          <a:xfrm>
-            <a:off x="8742815" y="4019760"/>
-            <a:ext cx="0" cy="670999"/>
-          </a:xfrm>
-          <a:prstGeom prst="line">
-            <a:avLst/>
-          </a:prstGeom>
-          <a:ln w="38100">
-            <a:solidFill>
-              <a:schemeClr val="tx1"/>
-            </a:solidFill>
-          </a:ln>
-        </p:spPr>
-        <p:style>
-          <a:lnRef idx="1">
-            <a:schemeClr val="accent1"/>
-          </a:lnRef>
-          <a:fillRef idx="0">
-            <a:schemeClr val="accent1"/>
-          </a:fillRef>
-          <a:effectRef idx="0">
-            <a:schemeClr val="accent1"/>
-          </a:effectRef>
-          <a:fontRef idx="minor">
-            <a:schemeClr val="tx1"/>
-          </a:fontRef>
-        </p:style>
-      </p:cxnSp>
-      <p:cxnSp>
-        <p:nvCxnSpPr>
-          <p:cNvPr id="38" name="Straight Connector 37"/>
-          <p:cNvCxnSpPr/>
-          <p:nvPr/>
-        </p:nvCxnSpPr>
-        <p:spPr>
-          <a:xfrm flipV="1">
-            <a:off x="8742815" y="4698064"/>
-            <a:ext cx="532898" cy="8045"/>
-          </a:xfrm>
-          <a:prstGeom prst="line">
-            <a:avLst/>
-          </a:prstGeom>
-          <a:ln w="38100">
-            <a:solidFill>
-              <a:schemeClr val="tx1"/>
-            </a:solidFill>
-          </a:ln>
-        </p:spPr>
-        <p:style>
-          <a:lnRef idx="1">
-            <a:schemeClr val="accent1"/>
-          </a:lnRef>
-          <a:fillRef idx="0">
-            <a:schemeClr val="accent1"/>
-          </a:fillRef>
-          <a:effectRef idx="0">
-            <a:schemeClr val="accent1"/>
-          </a:effectRef>
-          <a:fontRef idx="minor">
-            <a:schemeClr val="tx1"/>
-          </a:fontRef>
-        </p:style>
-      </p:cxnSp>
-      <p:cxnSp>
-        <p:nvCxnSpPr>
-          <p:cNvPr id="39" name="Straight Connector 38"/>
-          <p:cNvCxnSpPr/>
-          <p:nvPr/>
-        </p:nvCxnSpPr>
-        <p:spPr>
-          <a:xfrm>
-            <a:off x="9275713" y="4690759"/>
-            <a:ext cx="0" cy="670999"/>
-          </a:xfrm>
-          <a:prstGeom prst="line">
-            <a:avLst/>
-          </a:prstGeom>
-          <a:ln w="38100">
-            <a:solidFill>
-              <a:schemeClr val="tx1"/>
-            </a:solidFill>
-          </a:ln>
-        </p:spPr>
-        <p:style>
-          <a:lnRef idx="1">
-            <a:schemeClr val="accent1"/>
-          </a:lnRef>
-          <a:fillRef idx="0">
-            <a:schemeClr val="accent1"/>
-          </a:fillRef>
-          <a:effectRef idx="0">
-            <a:schemeClr val="accent1"/>
-          </a:effectRef>
-          <a:fontRef idx="minor">
-            <a:schemeClr val="tx1"/>
-          </a:fontRef>
-        </p:style>
-      </p:cxnSp>
-      <p:cxnSp>
-        <p:nvCxnSpPr>
-          <p:cNvPr id="40" name="Straight Connector 39"/>
-          <p:cNvCxnSpPr/>
-          <p:nvPr/>
-        </p:nvCxnSpPr>
-        <p:spPr>
-          <a:xfrm flipV="1">
-            <a:off x="9275713" y="5323933"/>
-            <a:ext cx="945670" cy="21555"/>
-          </a:xfrm>
-          <a:prstGeom prst="line">
-            <a:avLst/>
-          </a:prstGeom>
-          <a:ln w="38100">
-            <a:solidFill>
-              <a:schemeClr val="tx1"/>
-            </a:solidFill>
-          </a:ln>
-        </p:spPr>
-        <p:style>
-          <a:lnRef idx="1">
-            <a:schemeClr val="accent1"/>
-          </a:lnRef>
-          <a:fillRef idx="0">
-            <a:schemeClr val="accent1"/>
-          </a:fillRef>
-          <a:effectRef idx="0">
-            <a:schemeClr val="accent1"/>
-          </a:effectRef>
-          <a:fontRef idx="minor">
-            <a:schemeClr val="tx1"/>
-          </a:fontRef>
-        </p:style>
-      </p:cxnSp>
-      <p:cxnSp>
-        <p:nvCxnSpPr>
-          <p:cNvPr id="41" name="Straight Connector 40"/>
-          <p:cNvCxnSpPr/>
-          <p:nvPr/>
-        </p:nvCxnSpPr>
-        <p:spPr>
-          <a:xfrm>
-            <a:off x="10205987" y="4674489"/>
-            <a:ext cx="0" cy="670999"/>
-          </a:xfrm>
-          <a:prstGeom prst="line">
-            <a:avLst/>
-          </a:prstGeom>
-          <a:ln w="38100">
-            <a:solidFill>
-              <a:schemeClr val="tx1"/>
-            </a:solidFill>
-          </a:ln>
-        </p:spPr>
-        <p:style>
-          <a:lnRef idx="1">
-            <a:schemeClr val="accent1"/>
-          </a:lnRef>
-          <a:fillRef idx="0">
-            <a:schemeClr val="accent1"/>
-          </a:fillRef>
-          <a:effectRef idx="0">
-            <a:schemeClr val="accent1"/>
-          </a:effectRef>
-          <a:fontRef idx="minor">
-            <a:schemeClr val="tx1"/>
-          </a:fontRef>
-        </p:style>
-      </p:cxnSp>
-      <p:cxnSp>
-        <p:nvCxnSpPr>
-          <p:cNvPr id="42" name="Straight Connector 41"/>
-          <p:cNvCxnSpPr/>
-          <p:nvPr/>
-        </p:nvCxnSpPr>
-        <p:spPr>
-          <a:xfrm flipV="1">
-            <a:off x="10186870" y="4674489"/>
-            <a:ext cx="532898" cy="8045"/>
-          </a:xfrm>
-          <a:prstGeom prst="line">
-            <a:avLst/>
-          </a:prstGeom>
-          <a:ln w="38100">
-            <a:solidFill>
-              <a:schemeClr val="tx1"/>
-            </a:solidFill>
-          </a:ln>
-        </p:spPr>
-        <p:style>
-          <a:lnRef idx="1">
-            <a:schemeClr val="accent1"/>
-          </a:lnRef>
-          <a:fillRef idx="0">
-            <a:schemeClr val="accent1"/>
-          </a:fillRef>
-          <a:effectRef idx="0">
-            <a:schemeClr val="accent1"/>
-          </a:effectRef>
-          <a:fontRef idx="minor">
-            <a:schemeClr val="tx1"/>
-          </a:fontRef>
-        </p:style>
-      </p:cxnSp>
-      <p:cxnSp>
-        <p:nvCxnSpPr>
-          <p:cNvPr id="43" name="Straight Connector 42"/>
-          <p:cNvCxnSpPr/>
-          <p:nvPr/>
-        </p:nvCxnSpPr>
-        <p:spPr>
-          <a:xfrm>
-            <a:off x="10717483" y="4027065"/>
-            <a:ext cx="0" cy="670999"/>
-          </a:xfrm>
-          <a:prstGeom prst="line">
-            <a:avLst/>
-          </a:prstGeom>
-          <a:ln w="38100">
-            <a:solidFill>
-              <a:schemeClr val="tx1"/>
-            </a:solidFill>
-          </a:ln>
-        </p:spPr>
-        <p:style>
-          <a:lnRef idx="1">
-            <a:schemeClr val="accent1"/>
-          </a:lnRef>
-          <a:fillRef idx="0">
-            <a:schemeClr val="accent1"/>
-          </a:fillRef>
-          <a:effectRef idx="0">
-            <a:schemeClr val="accent1"/>
-          </a:effectRef>
-          <a:fontRef idx="minor">
-            <a:schemeClr val="tx1"/>
-          </a:fontRef>
-        </p:style>
-      </p:cxnSp>
-      <p:cxnSp>
-        <p:nvCxnSpPr>
-          <p:cNvPr id="44" name="Straight Connector 43"/>
-          <p:cNvCxnSpPr/>
-          <p:nvPr/>
-        </p:nvCxnSpPr>
-        <p:spPr>
-          <a:xfrm>
-            <a:off x="10717483" y="4027065"/>
-            <a:ext cx="536672" cy="0"/>
-          </a:xfrm>
-          <a:prstGeom prst="line">
-            <a:avLst/>
-          </a:prstGeom>
-          <a:ln w="38100">
-            <a:solidFill>
-              <a:schemeClr val="tx1"/>
-            </a:solidFill>
-          </a:ln>
-        </p:spPr>
-        <p:style>
-          <a:lnRef idx="1">
-            <a:schemeClr val="accent1"/>
-          </a:lnRef>
-          <a:fillRef idx="0">
-            <a:schemeClr val="accent1"/>
-          </a:fillRef>
-          <a:effectRef idx="0">
-            <a:schemeClr val="accent1"/>
-          </a:effectRef>
-          <a:fontRef idx="minor">
-            <a:schemeClr val="tx1"/>
-          </a:fontRef>
-        </p:style>
-      </p:cxnSp>
-      <p:cxnSp>
-        <p:nvCxnSpPr>
-          <p:cNvPr id="45" name="Straight Connector 44"/>
-          <p:cNvCxnSpPr/>
-          <p:nvPr/>
-        </p:nvCxnSpPr>
-        <p:spPr>
-          <a:xfrm>
-            <a:off x="11254673" y="3348761"/>
-            <a:ext cx="0" cy="670999"/>
-          </a:xfrm>
-          <a:prstGeom prst="line">
-            <a:avLst/>
-          </a:prstGeom>
-          <a:ln w="38100">
-            <a:solidFill>
-              <a:schemeClr val="tx1"/>
-            </a:solidFill>
-          </a:ln>
-        </p:spPr>
-        <p:style>
-          <a:lnRef idx="1">
-            <a:schemeClr val="accent1"/>
-          </a:lnRef>
-          <a:fillRef idx="0">
-            <a:schemeClr val="accent1"/>
-          </a:fillRef>
-          <a:effectRef idx="0">
-            <a:schemeClr val="accent1"/>
-          </a:effectRef>
-          <a:fontRef idx="minor">
-            <a:schemeClr val="tx1"/>
-          </a:fontRef>
-        </p:style>
-      </p:cxnSp>
-      <p:cxnSp>
-        <p:nvCxnSpPr>
-          <p:cNvPr id="46" name="Straight Connector 45"/>
-          <p:cNvCxnSpPr/>
-          <p:nvPr/>
-        </p:nvCxnSpPr>
-        <p:spPr>
-          <a:xfrm flipV="1">
-            <a:off x="11254155" y="3337063"/>
-            <a:ext cx="491759" cy="8046"/>
-          </a:xfrm>
-          <a:prstGeom prst="line">
-            <a:avLst/>
-          </a:prstGeom>
-          <a:ln w="38100">
-            <a:solidFill>
-              <a:schemeClr val="tx1"/>
-            </a:solidFill>
-          </a:ln>
-        </p:spPr>
-        <p:style>
-          <a:lnRef idx="1">
-            <a:schemeClr val="accent1"/>
-          </a:lnRef>
-          <a:fillRef idx="0">
-            <a:schemeClr val="accent1"/>
-          </a:fillRef>
-          <a:effectRef idx="0">
-            <a:schemeClr val="accent1"/>
-          </a:effectRef>
-          <a:fontRef idx="minor">
-            <a:schemeClr val="tx1"/>
-          </a:fontRef>
-        </p:style>
-      </p:cxnSp>
-      <p:cxnSp>
-        <p:nvCxnSpPr>
-          <p:cNvPr id="48" name="Straight Connector 47"/>
-          <p:cNvCxnSpPr/>
-          <p:nvPr/>
-        </p:nvCxnSpPr>
-        <p:spPr>
-          <a:xfrm>
-            <a:off x="7714429" y="2570480"/>
-            <a:ext cx="32483" cy="3543101"/>
-          </a:xfrm>
-          <a:prstGeom prst="line">
-            <a:avLst/>
-          </a:prstGeom>
-          <a:ln>
-            <a:solidFill>
-              <a:schemeClr val="tx1"/>
-            </a:solidFill>
-          </a:ln>
-        </p:spPr>
-        <p:style>
-          <a:lnRef idx="1">
-            <a:schemeClr val="accent1"/>
-          </a:lnRef>
-          <a:fillRef idx="0">
-            <a:schemeClr val="accent1"/>
-          </a:fillRef>
-          <a:effectRef idx="0">
-            <a:schemeClr val="accent1"/>
-          </a:effectRef>
-          <a:fontRef idx="minor">
-            <a:schemeClr val="tx1"/>
-          </a:fontRef>
-        </p:style>
-      </p:cxnSp>
-      <p:cxnSp>
-        <p:nvCxnSpPr>
-          <p:cNvPr id="50" name="Straight Connector 49"/>
-          <p:cNvCxnSpPr/>
-          <p:nvPr/>
-        </p:nvCxnSpPr>
-        <p:spPr>
-          <a:xfrm>
-            <a:off x="11745914" y="2717266"/>
-            <a:ext cx="56916" cy="3471850"/>
-          </a:xfrm>
-          <a:prstGeom prst="line">
-            <a:avLst/>
-          </a:prstGeom>
-          <a:ln>
-            <a:solidFill>
-              <a:schemeClr val="tx1"/>
-            </a:solidFill>
-          </a:ln>
-        </p:spPr>
-        <p:style>
-          <a:lnRef idx="1">
-            <a:schemeClr val="accent1"/>
-          </a:lnRef>
-          <a:fillRef idx="0">
-            <a:schemeClr val="accent1"/>
-          </a:fillRef>
-          <a:effectRef idx="0">
-            <a:schemeClr val="accent1"/>
-          </a:effectRef>
-          <a:fontRef idx="minor">
-            <a:schemeClr val="tx1"/>
-          </a:fontRef>
-        </p:style>
-      </p:cxnSp>
-      <mc:AlternateContent xmlns:mc="http://schemas.openxmlformats.org/markup-compatibility/2006" xmlns:a14="http://schemas.microsoft.com/office/drawing/2010/main">
-        <mc:Choice Requires="a14">
-          <p:sp>
-            <p:nvSpPr>
-              <p:cNvPr id="51" name="TextBox 50"/>
-              <p:cNvSpPr txBox="1"/>
-              <p:nvPr/>
-            </p:nvSpPr>
-            <p:spPr>
-              <a:xfrm>
-                <a:off x="7641956" y="6189116"/>
-                <a:ext cx="181139" cy="276999"/>
-              </a:xfrm>
-              <a:prstGeom prst="rect">
-                <a:avLst/>
-              </a:prstGeom>
-              <a:noFill/>
-            </p:spPr>
-            <p:txBody>
-              <a:bodyPr wrap="none" lIns="0" tIns="0" rIns="0" bIns="0" rtlCol="0">
-                <a:spAutoFit/>
-              </a:bodyPr>
-              <a:lstStyle/>
-              <a:p>
-                <a:pPr/>
-                <a14:m>
-                  <m:oMathPara xmlns:m="http://schemas.openxmlformats.org/officeDocument/2006/math">
-                    <m:oMathParaPr>
-                      <m:jc m:val="centerGroup"/>
-                    </m:oMathParaPr>
-                    <m:oMath xmlns:m="http://schemas.openxmlformats.org/officeDocument/2006/math">
-                      <m:r>
-                        <a:rPr lang="sv-SE" b="0" i="1" smtClean="0">
-                          <a:latin typeface="Cambria Math" panose="02040503050406030204" pitchFamily="18" charset="0"/>
-                        </a:rPr>
-                        <m:t>0</m:t>
-                      </m:r>
-                    </m:oMath>
-                  </m:oMathPara>
-                </a14:m>
-                <a:endParaRPr lang="sv-SE" dirty="0"/>
-              </a:p>
-            </p:txBody>
-          </p:sp>
-        </mc:Choice>
-        <mc:Fallback xmlns="">
-          <p:sp>
-            <p:nvSpPr>
-              <p:cNvPr id="51" name="TextBox 50"/>
-              <p:cNvSpPr txBox="1">
-                <a:spLocks noRot="1" noChangeAspect="1" noMove="1" noResize="1" noEditPoints="1" noAdjustHandles="1" noChangeArrowheads="1" noChangeShapeType="1" noTextEdit="1"/>
-              </p:cNvSpPr>
-              <p:nvPr/>
-            </p:nvSpPr>
-            <p:spPr>
-              <a:xfrm>
-                <a:off x="7641956" y="6189116"/>
-                <a:ext cx="181139" cy="276999"/>
-              </a:xfrm>
-              <a:prstGeom prst="rect">
-                <a:avLst/>
-              </a:prstGeom>
-              <a:blipFill>
-                <a:blip r:embed="rId7"/>
-                <a:stretch>
-                  <a:fillRect l="-34483" r="-31034" b="-6522"/>
-                </a:stretch>
-              </a:blipFill>
-            </p:spPr>
-            <p:txBody>
-              <a:bodyPr/>
-              <a:lstStyle/>
-              <a:p>
-                <a:r>
-                  <a:rPr lang="sv-SE">
-                    <a:noFill/>
-                  </a:rPr>
-                  <a:t> </a:t>
-                </a:r>
-              </a:p>
-            </p:txBody>
-          </p:sp>
-        </mc:Fallback>
-      </mc:AlternateContent>
-      <mc:AlternateContent xmlns:mc="http://schemas.openxmlformats.org/markup-compatibility/2006" xmlns:a14="http://schemas.microsoft.com/office/drawing/2010/main">
-        <mc:Choice Requires="a14">
-          <p:sp>
-            <p:nvSpPr>
-              <p:cNvPr id="52" name="TextBox 51"/>
-              <p:cNvSpPr txBox="1"/>
-              <p:nvPr/>
-            </p:nvSpPr>
-            <p:spPr>
-              <a:xfrm>
-                <a:off x="11636992" y="6253094"/>
-                <a:ext cx="302903" cy="276999"/>
-              </a:xfrm>
-              <a:prstGeom prst="rect">
-                <a:avLst/>
-              </a:prstGeom>
-              <a:noFill/>
-            </p:spPr>
-            <p:txBody>
-              <a:bodyPr wrap="none" lIns="0" tIns="0" rIns="0" bIns="0" rtlCol="0">
-                <a:spAutoFit/>
-              </a:bodyPr>
-              <a:lstStyle/>
-              <a:p>
-                <a:pPr/>
-                <a14:m>
-                  <m:oMathPara xmlns:m="http://schemas.openxmlformats.org/officeDocument/2006/math">
-                    <m:oMathParaPr>
-                      <m:jc m:val="centerGroup"/>
-                    </m:oMathParaPr>
-                    <m:oMath xmlns:m="http://schemas.openxmlformats.org/officeDocument/2006/math">
-                      <m:r>
-                        <a:rPr lang="sv-SE" b="0" i="1" smtClean="0">
-                          <a:latin typeface="Cambria Math" panose="02040503050406030204" pitchFamily="18" charset="0"/>
-                        </a:rPr>
-                        <m:t>𝑇𝑠</m:t>
-                      </m:r>
-                    </m:oMath>
-                  </m:oMathPara>
-                </a14:m>
-                <a:endParaRPr lang="sv-SE" dirty="0"/>
-              </a:p>
-            </p:txBody>
-          </p:sp>
-        </mc:Choice>
-        <mc:Fallback xmlns="">
-          <p:sp>
-            <p:nvSpPr>
-              <p:cNvPr id="52" name="TextBox 51"/>
-              <p:cNvSpPr txBox="1">
-                <a:spLocks noRot="1" noChangeAspect="1" noMove="1" noResize="1" noEditPoints="1" noAdjustHandles="1" noChangeArrowheads="1" noChangeShapeType="1" noTextEdit="1"/>
-              </p:cNvSpPr>
-              <p:nvPr/>
-            </p:nvSpPr>
-            <p:spPr>
-              <a:xfrm>
-                <a:off x="11636992" y="6253094"/>
-                <a:ext cx="302903" cy="276999"/>
-              </a:xfrm>
-              <a:prstGeom prst="rect">
-                <a:avLst/>
-              </a:prstGeom>
-              <a:blipFill>
-                <a:blip r:embed="rId8"/>
-                <a:stretch>
-                  <a:fillRect l="-20000" r="-16000" b="-6667"/>
-                </a:stretch>
-              </a:blipFill>
-            </p:spPr>
-            <p:txBody>
-              <a:bodyPr/>
-              <a:lstStyle/>
-              <a:p>
-                <a:r>
-                  <a:rPr lang="sv-SE">
-                    <a:noFill/>
-                  </a:rPr>
-                  <a:t> </a:t>
-                </a:r>
-              </a:p>
-            </p:txBody>
-          </p:sp>
-        </mc:Fallback>
-      </mc:AlternateContent>
       <p:sp>
         <p:nvSpPr>
           <p:cNvPr id="53" name="TextBox 52"/>
@@ -5106,7 +4898,7 @@
         </p:nvSpPr>
         <p:spPr>
           <a:xfrm>
-            <a:off x="9299588" y="2277516"/>
+            <a:off x="9224395" y="2281326"/>
             <a:ext cx="1256066" cy="477054"/>
           </a:xfrm>
           <a:prstGeom prst="rect">
@@ -5128,8 +4920,8 @@
           </a:p>
         </p:txBody>
       </p:sp>
-      <mc:AlternateContent xmlns:mc="http://schemas.openxmlformats.org/markup-compatibility/2006" xmlns:a14="http://schemas.microsoft.com/office/drawing/2010/main">
-        <mc:Choice Requires="a14">
+      <mc:AlternateContent xmlns:mc="http://schemas.openxmlformats.org/markup-compatibility/2006">
+        <mc:Choice xmlns:a14="http://schemas.microsoft.com/office/drawing/2010/main" Requires="a14">
           <p:sp>
             <p:nvSpPr>
               <p:cNvPr id="55" name="TextBox 54"/>
@@ -5138,7 +4930,7 @@
             </p:nvSpPr>
             <p:spPr>
               <a:xfrm>
-                <a:off x="8170488" y="3437114"/>
+                <a:off x="7958181" y="3083176"/>
                 <a:ext cx="1266214" cy="559769"/>
               </a:xfrm>
               <a:prstGeom prst="rect">
@@ -5297,7 +5089,7 @@
             </p:txBody>
           </p:sp>
         </mc:Choice>
-        <mc:Fallback xmlns="">
+        <mc:Fallback>
           <p:sp>
             <p:nvSpPr>
               <p:cNvPr id="55" name="TextBox 54"/>
@@ -5308,14 +5100,14 @@
             </p:nvSpPr>
             <p:spPr>
               <a:xfrm>
-                <a:off x="8170488" y="3437114"/>
+                <a:off x="7958181" y="3083176"/>
                 <a:ext cx="1266214" cy="559769"/>
               </a:xfrm>
               <a:prstGeom prst="rect">
                 <a:avLst/>
               </a:prstGeom>
               <a:blipFill>
-                <a:blip r:embed="rId9"/>
+                <a:blip r:embed="rId7"/>
                 <a:stretch>
                   <a:fillRect/>
                 </a:stretch>
@@ -5336,8 +5128,8 @@
           </p:sp>
         </mc:Fallback>
       </mc:AlternateContent>
-      <mc:AlternateContent xmlns:mc="http://schemas.openxmlformats.org/markup-compatibility/2006" xmlns:a14="http://schemas.microsoft.com/office/drawing/2010/main">
-        <mc:Choice Requires="a14">
+      <mc:AlternateContent xmlns:mc="http://schemas.openxmlformats.org/markup-compatibility/2006">
+        <mc:Choice xmlns:a14="http://schemas.microsoft.com/office/drawing/2010/main" Requires="a14">
           <p:sp>
             <p:nvSpPr>
               <p:cNvPr id="56" name="TextBox 55"/>
@@ -5346,7 +5138,7 @@
             </p:nvSpPr>
             <p:spPr>
               <a:xfrm>
-                <a:off x="7518071" y="2776797"/>
+                <a:off x="7377448" y="2203005"/>
                 <a:ext cx="1266214" cy="559769"/>
               </a:xfrm>
               <a:prstGeom prst="rect">
@@ -5462,7 +5254,7 @@
             </p:txBody>
           </p:sp>
         </mc:Choice>
-        <mc:Fallback xmlns="">
+        <mc:Fallback>
           <p:sp>
             <p:nvSpPr>
               <p:cNvPr id="56" name="TextBox 55"/>
@@ -5473,14 +5265,14 @@
             </p:nvSpPr>
             <p:spPr>
               <a:xfrm>
-                <a:off x="7518071" y="2776797"/>
+                <a:off x="7377448" y="2203005"/>
                 <a:ext cx="1266214" cy="559769"/>
               </a:xfrm>
               <a:prstGeom prst="rect">
                 <a:avLst/>
               </a:prstGeom>
               <a:blipFill>
-                <a:blip r:embed="rId10"/>
+                <a:blip r:embed="rId8"/>
                 <a:stretch>
                   <a:fillRect/>
                 </a:stretch>
@@ -5501,8 +5293,8 @@
           </p:sp>
         </mc:Fallback>
       </mc:AlternateContent>
-      <mc:AlternateContent xmlns:mc="http://schemas.openxmlformats.org/markup-compatibility/2006" xmlns:a14="http://schemas.microsoft.com/office/drawing/2010/main">
-        <mc:Choice Requires="a14">
+      <mc:AlternateContent xmlns:mc="http://schemas.openxmlformats.org/markup-compatibility/2006">
+        <mc:Choice xmlns:a14="http://schemas.microsoft.com/office/drawing/2010/main" Requires="a14">
           <p:sp>
             <p:nvSpPr>
               <p:cNvPr id="57" name="TextBox 56"/>
@@ -5511,7 +5303,7 @@
             </p:nvSpPr>
             <p:spPr>
               <a:xfrm>
-                <a:off x="8686727" y="4138295"/>
+                <a:off x="8320967" y="3926387"/>
                 <a:ext cx="1266214" cy="559769"/>
               </a:xfrm>
               <a:prstGeom prst="rect">
@@ -5670,7 +5462,7 @@
             </p:txBody>
           </p:sp>
         </mc:Choice>
-        <mc:Fallback xmlns="">
+        <mc:Fallback>
           <p:sp>
             <p:nvSpPr>
               <p:cNvPr id="57" name="TextBox 56"/>
@@ -5681,14 +5473,14 @@
             </p:nvSpPr>
             <p:spPr>
               <a:xfrm>
-                <a:off x="8686727" y="4138295"/>
+                <a:off x="8320967" y="3926387"/>
                 <a:ext cx="1266214" cy="559769"/>
               </a:xfrm>
               <a:prstGeom prst="rect">
                 <a:avLst/>
               </a:prstGeom>
               <a:blipFill>
-                <a:blip r:embed="rId11"/>
+                <a:blip r:embed="rId9"/>
                 <a:stretch>
                   <a:fillRect/>
                 </a:stretch>
@@ -5709,8 +5501,8 @@
           </p:sp>
         </mc:Fallback>
       </mc:AlternateContent>
-      <mc:AlternateContent xmlns:mc="http://schemas.openxmlformats.org/markup-compatibility/2006" xmlns:a14="http://schemas.microsoft.com/office/drawing/2010/main">
-        <mc:Choice Requires="a14">
+      <mc:AlternateContent xmlns:mc="http://schemas.openxmlformats.org/markup-compatibility/2006">
+        <mc:Choice xmlns:a14="http://schemas.microsoft.com/office/drawing/2010/main" Requires="a14">
           <p:sp>
             <p:nvSpPr>
               <p:cNvPr id="58" name="TextBox 57"/>
@@ -5719,7 +5511,7 @@
             </p:nvSpPr>
             <p:spPr>
               <a:xfrm>
-                <a:off x="9224395" y="5358588"/>
+                <a:off x="8806027" y="4759430"/>
                 <a:ext cx="1266214" cy="559769"/>
               </a:xfrm>
               <a:prstGeom prst="rect">
@@ -5847,7 +5639,7 @@
             </p:txBody>
           </p:sp>
         </mc:Choice>
-        <mc:Fallback xmlns="">
+        <mc:Fallback>
           <p:sp>
             <p:nvSpPr>
               <p:cNvPr id="58" name="TextBox 57"/>
@@ -5858,14 +5650,14 @@
             </p:nvSpPr>
             <p:spPr>
               <a:xfrm>
-                <a:off x="9224395" y="5358588"/>
+                <a:off x="8806027" y="4759430"/>
                 <a:ext cx="1266214" cy="559769"/>
               </a:xfrm>
               <a:prstGeom prst="rect">
                 <a:avLst/>
               </a:prstGeom>
               <a:blipFill>
-                <a:blip r:embed="rId12"/>
+                <a:blip r:embed="rId10"/>
                 <a:stretch>
                   <a:fillRect/>
                 </a:stretch>
@@ -5886,8 +5678,8 @@
           </p:sp>
         </mc:Fallback>
       </mc:AlternateContent>
-      <mc:AlternateContent xmlns:mc="http://schemas.openxmlformats.org/markup-compatibility/2006" xmlns:a14="http://schemas.microsoft.com/office/drawing/2010/main">
-        <mc:Choice Requires="a14">
+      <mc:AlternateContent xmlns:mc="http://schemas.openxmlformats.org/markup-compatibility/2006">
+        <mc:Choice xmlns:a14="http://schemas.microsoft.com/office/drawing/2010/main" Requires="a14">
           <p:sp>
             <p:nvSpPr>
               <p:cNvPr id="59" name="TextBox 58"/>
@@ -5896,7 +5688,7 @@
             </p:nvSpPr>
             <p:spPr>
               <a:xfrm>
-                <a:off x="10221383" y="4705369"/>
+                <a:off x="9994210" y="4487637"/>
                 <a:ext cx="1266214" cy="559769"/>
               </a:xfrm>
               <a:prstGeom prst="rect">
@@ -6055,7 +5847,7 @@
             </p:txBody>
           </p:sp>
         </mc:Choice>
-        <mc:Fallback xmlns="">
+        <mc:Fallback>
           <p:sp>
             <p:nvSpPr>
               <p:cNvPr id="59" name="TextBox 58"/>
@@ -6066,14 +5858,14 @@
             </p:nvSpPr>
             <p:spPr>
               <a:xfrm>
-                <a:off x="10221383" y="4705369"/>
+                <a:off x="9994210" y="4487637"/>
                 <a:ext cx="1266214" cy="559769"/>
               </a:xfrm>
               <a:prstGeom prst="rect">
                 <a:avLst/>
               </a:prstGeom>
               <a:blipFill>
-                <a:blip r:embed="rId13"/>
+                <a:blip r:embed="rId11"/>
                 <a:stretch>
                   <a:fillRect/>
                 </a:stretch>
@@ -6094,8 +5886,8 @@
           </p:sp>
         </mc:Fallback>
       </mc:AlternateContent>
-      <mc:AlternateContent xmlns:mc="http://schemas.openxmlformats.org/markup-compatibility/2006" xmlns:a14="http://schemas.microsoft.com/office/drawing/2010/main">
-        <mc:Choice Requires="a14">
+      <mc:AlternateContent xmlns:mc="http://schemas.openxmlformats.org/markup-compatibility/2006">
+        <mc:Choice xmlns:a14="http://schemas.microsoft.com/office/drawing/2010/main" Requires="a14">
           <p:sp>
             <p:nvSpPr>
               <p:cNvPr id="60" name="TextBox 59"/>
@@ -6104,7 +5896,7 @@
             </p:nvSpPr>
             <p:spPr>
               <a:xfrm>
-                <a:off x="10673681" y="4049901"/>
+                <a:off x="10440713" y="3700720"/>
                 <a:ext cx="1266214" cy="559769"/>
               </a:xfrm>
               <a:prstGeom prst="rect">
@@ -6263,7 +6055,7 @@
             </p:txBody>
           </p:sp>
         </mc:Choice>
-        <mc:Fallback xmlns="">
+        <mc:Fallback>
           <p:sp>
             <p:nvSpPr>
               <p:cNvPr id="60" name="TextBox 59"/>
@@ -6274,14 +6066,14 @@
             </p:nvSpPr>
             <p:spPr>
               <a:xfrm>
-                <a:off x="10673681" y="4049901"/>
+                <a:off x="10440713" y="3700720"/>
                 <a:ext cx="1266214" cy="559769"/>
               </a:xfrm>
               <a:prstGeom prst="rect">
                 <a:avLst/>
               </a:prstGeom>
               <a:blipFill>
-                <a:blip r:embed="rId14"/>
+                <a:blip r:embed="rId12"/>
                 <a:stretch>
                   <a:fillRect/>
                 </a:stretch>
@@ -6302,8 +6094,8 @@
           </p:sp>
         </mc:Fallback>
       </mc:AlternateContent>
-      <mc:AlternateContent xmlns:mc="http://schemas.openxmlformats.org/markup-compatibility/2006" xmlns:a14="http://schemas.microsoft.com/office/drawing/2010/main">
-        <mc:Choice Requires="a14">
+      <mc:AlternateContent xmlns:mc="http://schemas.openxmlformats.org/markup-compatibility/2006">
+        <mc:Choice xmlns:a14="http://schemas.microsoft.com/office/drawing/2010/main" Requires="a14">
           <p:sp>
             <p:nvSpPr>
               <p:cNvPr id="61" name="TextBox 60"/>
@@ -6312,7 +6104,7 @@
             </p:nvSpPr>
             <p:spPr>
               <a:xfrm>
-                <a:off x="11003885" y="3394785"/>
+                <a:off x="10588583" y="2824330"/>
                 <a:ext cx="1266214" cy="559769"/>
               </a:xfrm>
               <a:prstGeom prst="rect">
@@ -6428,7 +6220,7 @@
             </p:txBody>
           </p:sp>
         </mc:Choice>
-        <mc:Fallback xmlns="">
+        <mc:Fallback>
           <p:sp>
             <p:nvSpPr>
               <p:cNvPr id="61" name="TextBox 60"/>
@@ -6439,14 +6231,14 @@
             </p:nvSpPr>
             <p:spPr>
               <a:xfrm>
-                <a:off x="11003885" y="3394785"/>
+                <a:off x="10588583" y="2824330"/>
                 <a:ext cx="1266214" cy="559769"/>
               </a:xfrm>
               <a:prstGeom prst="rect">
                 <a:avLst/>
               </a:prstGeom>
               <a:blipFill>
-                <a:blip r:embed="rId15"/>
+                <a:blip r:embed="rId13"/>
                 <a:stretch>
                   <a:fillRect/>
                 </a:stretch>
@@ -6467,6 +6259,30 @@
           </p:sp>
         </mc:Fallback>
       </mc:AlternateContent>
+      <p:pic>
+        <p:nvPicPr>
+          <p:cNvPr id="11" name="Picture 10"/>
+          <p:cNvPicPr>
+            <a:picLocks noChangeAspect="1"/>
+          </p:cNvPicPr>
+          <p:nvPr/>
+        </p:nvPicPr>
+        <p:blipFill>
+          <a:blip r:embed="rId14"/>
+          <a:stretch>
+            <a:fillRect/>
+          </a:stretch>
+        </p:blipFill>
+        <p:spPr>
+          <a:xfrm>
+            <a:off x="81389" y="2705934"/>
+            <a:ext cx="3700839" cy="2775629"/>
+          </a:xfrm>
+          <a:prstGeom prst="rect">
+            <a:avLst/>
+          </a:prstGeom>
+        </p:spPr>
+      </p:pic>
     </p:spTree>
     <p:extLst>
       <p:ext uri="{BB962C8B-B14F-4D97-AF65-F5344CB8AC3E}">
@@ -6686,21 +6502,7 @@
                 <a:latin typeface="Times New Roman" panose="02020603050405020304" pitchFamily="18" charset="0"/>
                 <a:cs typeface="Times New Roman" panose="02020603050405020304" pitchFamily="18" charset="0"/>
               </a:rPr>
-              <a:t>since the </a:t>
-            </a:r>
-            <a:r>
-              <a:rPr lang="en-US" dirty="0" smtClean="0">
-                <a:latin typeface="Times New Roman" panose="02020603050405020304" pitchFamily="18" charset="0"/>
-                <a:cs typeface="Times New Roman" panose="02020603050405020304" pitchFamily="18" charset="0"/>
-              </a:rPr>
-              <a:t>load </a:t>
-            </a:r>
-            <a:r>
-              <a:rPr lang="en-US" dirty="0" smtClean="0">
-                <a:latin typeface="Times New Roman" panose="02020603050405020304" pitchFamily="18" charset="0"/>
-                <a:cs typeface="Times New Roman" panose="02020603050405020304" pitchFamily="18" charset="0"/>
-              </a:rPr>
-              <a:t>is inductive in differential mode, it </a:t>
+              <a:t>since the load is inductive in differential mode, it </a:t>
             </a:r>
             <a:r>
               <a:rPr lang="en-US" b="1" dirty="0" smtClean="0">
@@ -11872,30 +11674,6 @@
           <p:nvPr/>
         </p:nvPicPr>
         <p:blipFill>
-          <a:blip r:embed="rId2"/>
-          <a:stretch>
-            <a:fillRect/>
-          </a:stretch>
-        </p:blipFill>
-        <p:spPr>
-          <a:xfrm>
-            <a:off x="4167978" y="907673"/>
-            <a:ext cx="4060620" cy="3045465"/>
-          </a:xfrm>
-          <a:prstGeom prst="rect">
-            <a:avLst/>
-          </a:prstGeom>
-        </p:spPr>
-      </p:pic>
-      <p:pic>
-        <p:nvPicPr>
-          <p:cNvPr id="4" name="Picture 3"/>
-          <p:cNvPicPr>
-            <a:picLocks noChangeAspect="1"/>
-          </p:cNvPicPr>
-          <p:nvPr/>
-        </p:nvPicPr>
-        <p:blipFill>
           <a:blip r:embed="rId3"/>
           <a:stretch>
             <a:fillRect/>
@@ -11903,8 +11681,8 @@
         </p:blipFill>
         <p:spPr>
           <a:xfrm>
-            <a:off x="8220288" y="941014"/>
-            <a:ext cx="3971712" cy="2978784"/>
+            <a:off x="4167978" y="907673"/>
+            <a:ext cx="4060620" cy="3045465"/>
           </a:xfrm>
           <a:prstGeom prst="rect">
             <a:avLst/>
@@ -11913,7 +11691,7 @@
       </p:pic>
       <p:pic>
         <p:nvPicPr>
-          <p:cNvPr id="74" name="Picture 73"/>
+          <p:cNvPr id="4" name="Picture 3"/>
           <p:cNvPicPr>
             <a:picLocks noChangeAspect="1"/>
           </p:cNvPicPr>
@@ -11927,6 +11705,30 @@
         </p:blipFill>
         <p:spPr>
           <a:xfrm>
+            <a:off x="8220288" y="941014"/>
+            <a:ext cx="3971712" cy="2978784"/>
+          </a:xfrm>
+          <a:prstGeom prst="rect">
+            <a:avLst/>
+          </a:prstGeom>
+        </p:spPr>
+      </p:pic>
+      <p:pic>
+        <p:nvPicPr>
+          <p:cNvPr id="74" name="Picture 73"/>
+          <p:cNvPicPr>
+            <a:picLocks noChangeAspect="1"/>
+          </p:cNvPicPr>
+          <p:nvPr/>
+        </p:nvPicPr>
+        <p:blipFill>
+          <a:blip r:embed="rId5"/>
+          <a:stretch>
+            <a:fillRect/>
+          </a:stretch>
+        </p:blipFill>
+        <p:spPr>
+          <a:xfrm>
             <a:off x="187956" y="794642"/>
             <a:ext cx="4067968" cy="3050976"/>
           </a:xfrm>
@@ -12025,8 +11827,8 @@
           </a:p>
         </p:txBody>
       </p:sp>
-      <mc:AlternateContent xmlns:mc="http://schemas.openxmlformats.org/markup-compatibility/2006" xmlns:a14="http://schemas.microsoft.com/office/drawing/2010/main">
-        <mc:Choice Requires="a14">
+      <mc:AlternateContent xmlns:mc="http://schemas.openxmlformats.org/markup-compatibility/2006">
+        <mc:Choice xmlns:a14="http://schemas.microsoft.com/office/drawing/2010/main" Requires="a14">
           <p:sp>
             <p:nvSpPr>
               <p:cNvPr id="78" name="TextBox 77"/>
@@ -12035,7 +11837,7 @@
             </p:nvSpPr>
             <p:spPr>
               <a:xfrm>
-                <a:off x="4472316" y="4646417"/>
+                <a:off x="3992676" y="4647345"/>
                 <a:ext cx="4003244" cy="869982"/>
               </a:xfrm>
               <a:prstGeom prst="rect">
@@ -12223,7 +12025,7 @@
             </p:txBody>
           </p:sp>
         </mc:Choice>
-        <mc:Fallback xmlns="">
+        <mc:Fallback>
           <p:sp>
             <p:nvSpPr>
               <p:cNvPr id="78" name="TextBox 77"/>
@@ -12234,14 +12036,14 @@
             </p:nvSpPr>
             <p:spPr>
               <a:xfrm>
-                <a:off x="4472316" y="4646417"/>
+                <a:off x="3992676" y="4647345"/>
                 <a:ext cx="4003244" cy="869982"/>
               </a:xfrm>
               <a:prstGeom prst="rect">
                 <a:avLst/>
               </a:prstGeom>
               <a:blipFill>
-                <a:blip r:embed="rId5"/>
+                <a:blip r:embed="rId6"/>
                 <a:stretch>
                   <a:fillRect/>
                 </a:stretch>
@@ -12262,8 +12064,8 @@
           </p:sp>
         </mc:Fallback>
       </mc:AlternateContent>
-      <mc:AlternateContent xmlns:mc="http://schemas.openxmlformats.org/markup-compatibility/2006" xmlns:a14="http://schemas.microsoft.com/office/drawing/2010/main">
-        <mc:Choice Requires="a14">
+      <mc:AlternateContent xmlns:mc="http://schemas.openxmlformats.org/markup-compatibility/2006">
+        <mc:Choice xmlns:a14="http://schemas.microsoft.com/office/drawing/2010/main" Requires="a14">
           <p:sp>
             <p:nvSpPr>
               <p:cNvPr id="79" name="TextBox 78"/>
@@ -12272,7 +12074,7 @@
             </p:nvSpPr>
             <p:spPr>
               <a:xfrm>
-                <a:off x="4472316" y="5965356"/>
+                <a:off x="3992676" y="5966284"/>
                 <a:ext cx="4551884" cy="869982"/>
               </a:xfrm>
               <a:prstGeom prst="rect">
@@ -12498,7 +12300,7 @@
             </p:txBody>
           </p:sp>
         </mc:Choice>
-        <mc:Fallback xmlns="">
+        <mc:Fallback>
           <p:sp>
             <p:nvSpPr>
               <p:cNvPr id="79" name="TextBox 78"/>
@@ -12509,14 +12311,14 @@
             </p:nvSpPr>
             <p:spPr>
               <a:xfrm>
-                <a:off x="4472316" y="5965356"/>
+                <a:off x="3992676" y="5966284"/>
                 <a:ext cx="4551884" cy="869982"/>
               </a:xfrm>
               <a:prstGeom prst="rect">
                 <a:avLst/>
               </a:prstGeom>
               <a:blipFill>
-                <a:blip r:embed="rId6"/>
+                <a:blip r:embed="rId7"/>
                 <a:stretch>
                   <a:fillRect/>
                 </a:stretch>
@@ -12537,8 +12339,8 @@
           </p:sp>
         </mc:Fallback>
       </mc:AlternateContent>
-      <mc:AlternateContent xmlns:mc="http://schemas.openxmlformats.org/markup-compatibility/2006" xmlns:a14="http://schemas.microsoft.com/office/drawing/2010/main">
-        <mc:Choice Requires="a14">
+      <mc:AlternateContent xmlns:mc="http://schemas.openxmlformats.org/markup-compatibility/2006">
+        <mc:Choice xmlns:a14="http://schemas.microsoft.com/office/drawing/2010/main" Requires="a14">
           <p:sp>
             <p:nvSpPr>
               <p:cNvPr id="80" name="TextBox 79"/>
@@ -12547,7 +12349,7 @@
             </p:nvSpPr>
             <p:spPr>
               <a:xfrm>
-                <a:off x="4472316" y="5306357"/>
+                <a:off x="3992676" y="5307285"/>
                 <a:ext cx="4493600" cy="869982"/>
               </a:xfrm>
               <a:prstGeom prst="rect">
@@ -12773,7 +12575,7 @@
             </p:txBody>
           </p:sp>
         </mc:Choice>
-        <mc:Fallback xmlns="">
+        <mc:Fallback>
           <p:sp>
             <p:nvSpPr>
               <p:cNvPr id="80" name="TextBox 79"/>
@@ -12784,14 +12586,14 @@
             </p:nvSpPr>
             <p:spPr>
               <a:xfrm>
-                <a:off x="4472316" y="5306357"/>
+                <a:off x="3992676" y="5307285"/>
                 <a:ext cx="4493600" cy="869982"/>
               </a:xfrm>
               <a:prstGeom prst="rect">
                 <a:avLst/>
               </a:prstGeom>
               <a:blipFill>
-                <a:blip r:embed="rId7"/>
+                <a:blip r:embed="rId8"/>
                 <a:stretch>
                   <a:fillRect/>
                 </a:stretch>
@@ -12844,7 +12646,7 @@
       </p:grpSpPr>
       <p:pic>
         <p:nvPicPr>
-          <p:cNvPr id="5" name="Picture 4"/>
+          <p:cNvPr id="2" name="Picture 1"/>
           <p:cNvPicPr>
             <a:picLocks noChangeAspect="1"/>
           </p:cNvPicPr>
@@ -12858,8 +12660,8 @@
         </p:blipFill>
         <p:spPr>
           <a:xfrm>
-            <a:off x="381000" y="209550"/>
-            <a:ext cx="5334000" cy="4000500"/>
+            <a:off x="1584959" y="554990"/>
+            <a:ext cx="4055533" cy="3041650"/>
           </a:xfrm>
           <a:prstGeom prst="rect">
             <a:avLst/>
@@ -12868,7 +12670,7 @@
       </p:pic>
       <p:pic>
         <p:nvPicPr>
-          <p:cNvPr id="7" name="Picture 6"/>
+          <p:cNvPr id="3" name="Picture 2"/>
           <p:cNvPicPr>
             <a:picLocks noChangeAspect="1"/>
           </p:cNvPicPr>
@@ -12882,8 +12684,547 @@
         </p:blipFill>
         <p:spPr>
           <a:xfrm>
-            <a:off x="6263640" y="356235"/>
-            <a:ext cx="4963160" cy="3722370"/>
+            <a:off x="6375399" y="554990"/>
+            <a:ext cx="4055533" cy="3041650"/>
+          </a:xfrm>
+          <a:prstGeom prst="rect">
+            <a:avLst/>
+          </a:prstGeom>
+        </p:spPr>
+      </p:pic>
+      <p:sp>
+        <p:nvSpPr>
+          <p:cNvPr id="4" name="TextBox 3"/>
+          <p:cNvSpPr txBox="1"/>
+          <p:nvPr/>
+        </p:nvSpPr>
+        <p:spPr>
+          <a:xfrm>
+            <a:off x="4683760" y="93325"/>
+            <a:ext cx="3180080" cy="461665"/>
+          </a:xfrm>
+          <a:prstGeom prst="rect">
+            <a:avLst/>
+          </a:prstGeom>
+          <a:noFill/>
+        </p:spPr>
+        <p:txBody>
+          <a:bodyPr wrap="square" rtlCol="0">
+            <a:spAutoFit/>
+          </a:bodyPr>
+          <a:lstStyle/>
+          <a:p>
+            <a:r>
+              <a:rPr lang="sv-SE" sz="2400" b="1" dirty="0" err="1" smtClean="0">
+                <a:latin typeface="Times New Roman" panose="02020603050405020304" pitchFamily="18" charset="0"/>
+                <a:cs typeface="Times New Roman" panose="02020603050405020304" pitchFamily="18" charset="0"/>
+              </a:rPr>
+              <a:t>Single</a:t>
+            </a:r>
+            <a:r>
+              <a:rPr lang="sv-SE" sz="2400" b="1" dirty="0" smtClean="0">
+                <a:latin typeface="Times New Roman" panose="02020603050405020304" pitchFamily="18" charset="0"/>
+                <a:cs typeface="Times New Roman" panose="02020603050405020304" pitchFamily="18" charset="0"/>
+              </a:rPr>
+              <a:t> Carrier Signal </a:t>
+            </a:r>
+            <a:endParaRPr lang="sv-SE" sz="2400" b="1" dirty="0">
+              <a:latin typeface="Times New Roman" panose="02020603050405020304" pitchFamily="18" charset="0"/>
+              <a:cs typeface="Times New Roman" panose="02020603050405020304" pitchFamily="18" charset="0"/>
+            </a:endParaRPr>
+          </a:p>
+        </p:txBody>
+      </p:sp>
+      <p:pic>
+        <p:nvPicPr>
+          <p:cNvPr id="6" name="Picture 5"/>
+          <p:cNvPicPr>
+            <a:picLocks noChangeAspect="1"/>
+          </p:cNvPicPr>
+          <p:nvPr/>
+        </p:nvPicPr>
+        <p:blipFill>
+          <a:blip r:embed="rId4"/>
+          <a:stretch>
+            <a:fillRect/>
+          </a:stretch>
+        </p:blipFill>
+        <p:spPr>
+          <a:xfrm>
+            <a:off x="1584959" y="3926225"/>
+            <a:ext cx="4071593" cy="3053695"/>
+          </a:xfrm>
+          <a:prstGeom prst="rect">
+            <a:avLst/>
+          </a:prstGeom>
+        </p:spPr>
+      </p:pic>
+      <p:pic>
+        <p:nvPicPr>
+          <p:cNvPr id="8" name="Picture 7"/>
+          <p:cNvPicPr>
+            <a:picLocks noChangeAspect="1"/>
+          </p:cNvPicPr>
+          <p:nvPr/>
+        </p:nvPicPr>
+        <p:blipFill>
+          <a:blip r:embed="rId5"/>
+          <a:stretch>
+            <a:fillRect/>
+          </a:stretch>
+        </p:blipFill>
+        <p:spPr>
+          <a:xfrm>
+            <a:off x="6375399" y="3926225"/>
+            <a:ext cx="4055533" cy="3041650"/>
+          </a:xfrm>
+          <a:prstGeom prst="rect">
+            <a:avLst/>
+          </a:prstGeom>
+        </p:spPr>
+      </p:pic>
+      <p:sp>
+        <p:nvSpPr>
+          <p:cNvPr id="9" name="TextBox 8"/>
+          <p:cNvSpPr txBox="1"/>
+          <p:nvPr/>
+        </p:nvSpPr>
+        <p:spPr>
+          <a:xfrm>
+            <a:off x="3357878" y="3540760"/>
+            <a:ext cx="7073054" cy="461665"/>
+          </a:xfrm>
+          <a:prstGeom prst="rect">
+            <a:avLst/>
+          </a:prstGeom>
+          <a:noFill/>
+        </p:spPr>
+        <p:txBody>
+          <a:bodyPr wrap="square" rtlCol="0">
+            <a:spAutoFit/>
+          </a:bodyPr>
+          <a:lstStyle/>
+          <a:p>
+            <a:r>
+              <a:rPr lang="sv-SE" sz="2400" b="1" dirty="0" smtClean="0">
+                <a:latin typeface="Times New Roman" panose="02020603050405020304" pitchFamily="18" charset="0"/>
+                <a:cs typeface="Times New Roman" panose="02020603050405020304" pitchFamily="18" charset="0"/>
+              </a:rPr>
+              <a:t>Multi-Carrier Signals </a:t>
+            </a:r>
+            <a:r>
+              <a:rPr lang="sv-SE" sz="2400" b="1" dirty="0" smtClean="0">
+                <a:latin typeface="Times New Roman" panose="02020603050405020304" pitchFamily="18" charset="0"/>
+                <a:cs typeface="Times New Roman" panose="02020603050405020304" pitchFamily="18" charset="0"/>
+              </a:rPr>
+              <a:t>CPS- </a:t>
+            </a:r>
+            <a:r>
+              <a:rPr lang="sv-SE" sz="2400" b="1" dirty="0" smtClean="0">
+                <a:latin typeface="Times New Roman" panose="02020603050405020304" pitchFamily="18" charset="0"/>
+                <a:cs typeface="Times New Roman" panose="02020603050405020304" pitchFamily="18" charset="0"/>
+              </a:rPr>
+              <a:t>0-120-240</a:t>
+            </a:r>
+            <a:endParaRPr lang="sv-SE" sz="2400" b="1" dirty="0">
+              <a:latin typeface="Times New Roman" panose="02020603050405020304" pitchFamily="18" charset="0"/>
+              <a:cs typeface="Times New Roman" panose="02020603050405020304" pitchFamily="18" charset="0"/>
+            </a:endParaRPr>
+          </a:p>
+        </p:txBody>
+      </p:sp>
+    </p:spTree>
+    <p:extLst>
+      <p:ext uri="{BB962C8B-B14F-4D97-AF65-F5344CB8AC3E}">
+        <p14:creationId xmlns:p14="http://schemas.microsoft.com/office/powerpoint/2010/main" val="918334070"/>
+      </p:ext>
+    </p:extLst>
+  </p:cSld>
+  <p:clrMapOvr>
+    <a:masterClrMapping/>
+  </p:clrMapOvr>
+</p:sld>
+</file>
+
+<file path=ppt/slides/slide8.xml><?xml version="1.0" encoding="utf-8"?>
+<p:sld xmlns:a="http://schemas.openxmlformats.org/drawingml/2006/main" xmlns:r="http://schemas.openxmlformats.org/officeDocument/2006/relationships" xmlns:p="http://schemas.openxmlformats.org/presentationml/2006/main">
+  <p:cSld>
+    <p:spTree>
+      <p:nvGrpSpPr>
+        <p:cNvPr id="1" name=""/>
+        <p:cNvGrpSpPr/>
+        <p:nvPr/>
+      </p:nvGrpSpPr>
+      <p:grpSpPr>
+        <a:xfrm>
+          <a:off x="0" y="0"/>
+          <a:ext cx="0" cy="0"/>
+          <a:chOff x="0" y="0"/>
+          <a:chExt cx="0" cy="0"/>
+        </a:xfrm>
+      </p:grpSpPr>
+      <p:pic>
+        <p:nvPicPr>
+          <p:cNvPr id="5" name="Picture 4"/>
+          <p:cNvPicPr>
+            <a:picLocks noChangeAspect="1"/>
+          </p:cNvPicPr>
+          <p:nvPr/>
+        </p:nvPicPr>
+        <p:blipFill>
+          <a:blip r:embed="rId3"/>
+          <a:stretch>
+            <a:fillRect/>
+          </a:stretch>
+        </p:blipFill>
+        <p:spPr>
+          <a:xfrm>
+            <a:off x="1488439" y="3708400"/>
+            <a:ext cx="4199467" cy="3149600"/>
+          </a:xfrm>
+          <a:prstGeom prst="rect">
+            <a:avLst/>
+          </a:prstGeom>
+        </p:spPr>
+      </p:pic>
+      <p:pic>
+        <p:nvPicPr>
+          <p:cNvPr id="7" name="Picture 6"/>
+          <p:cNvPicPr>
+            <a:picLocks noChangeAspect="1"/>
+          </p:cNvPicPr>
+          <p:nvPr/>
+        </p:nvPicPr>
+        <p:blipFill>
+          <a:blip r:embed="rId4"/>
+          <a:stretch>
+            <a:fillRect/>
+          </a:stretch>
+        </p:blipFill>
+        <p:spPr>
+          <a:xfrm>
+            <a:off x="6436358" y="3825875"/>
+            <a:ext cx="4042833" cy="3032125"/>
+          </a:xfrm>
+          <a:prstGeom prst="rect">
+            <a:avLst/>
+          </a:prstGeom>
+        </p:spPr>
+      </p:pic>
+      <p:sp>
+        <p:nvSpPr>
+          <p:cNvPr id="6" name="TextBox 5"/>
+          <p:cNvSpPr txBox="1"/>
+          <p:nvPr/>
+        </p:nvSpPr>
+        <p:spPr>
+          <a:xfrm>
+            <a:off x="721360" y="116840"/>
+            <a:ext cx="10881360" cy="461665"/>
+          </a:xfrm>
+          <a:prstGeom prst="rect">
+            <a:avLst/>
+          </a:prstGeom>
+          <a:noFill/>
+        </p:spPr>
+        <p:txBody>
+          <a:bodyPr wrap="square" rtlCol="0">
+            <a:spAutoFit/>
+          </a:bodyPr>
+          <a:lstStyle/>
+          <a:p>
+            <a:r>
+              <a:rPr lang="sv-SE" sz="2400" b="1" dirty="0" smtClean="0">
+                <a:latin typeface="Times New Roman" panose="02020603050405020304" pitchFamily="18" charset="0"/>
+                <a:cs typeface="Times New Roman" panose="02020603050405020304" pitchFamily="18" charset="0"/>
+              </a:rPr>
+              <a:t>Multi-Carrier Signals (</a:t>
+            </a:r>
+            <a:r>
+              <a:rPr lang="sv-SE" sz="2400" b="1" dirty="0" err="1" smtClean="0">
+                <a:latin typeface="Times New Roman" panose="02020603050405020304" pitchFamily="18" charset="0"/>
+                <a:cs typeface="Times New Roman" panose="02020603050405020304" pitchFamily="18" charset="0"/>
+              </a:rPr>
+              <a:t>Variable</a:t>
+            </a:r>
+            <a:r>
+              <a:rPr lang="sv-SE" sz="2400" b="1" dirty="0" smtClean="0">
+                <a:latin typeface="Times New Roman" panose="02020603050405020304" pitchFamily="18" charset="0"/>
+                <a:cs typeface="Times New Roman" panose="02020603050405020304" pitchFamily="18" charset="0"/>
+              </a:rPr>
+              <a:t> CPS- Fundamental Component </a:t>
+            </a:r>
+            <a:r>
+              <a:rPr lang="sv-SE" sz="2400" b="1" dirty="0" err="1" smtClean="0">
+                <a:latin typeface="Times New Roman" panose="02020603050405020304" pitchFamily="18" charset="0"/>
+                <a:cs typeface="Times New Roman" panose="02020603050405020304" pitchFamily="18" charset="0"/>
+              </a:rPr>
+              <a:t>Reduction</a:t>
+            </a:r>
+            <a:r>
+              <a:rPr lang="sv-SE" sz="2400" b="1" dirty="0" smtClean="0">
+                <a:latin typeface="Times New Roman" panose="02020603050405020304" pitchFamily="18" charset="0"/>
+                <a:cs typeface="Times New Roman" panose="02020603050405020304" pitchFamily="18" charset="0"/>
+              </a:rPr>
+              <a:t>)</a:t>
+            </a:r>
+            <a:endParaRPr lang="sv-SE" sz="2400" b="1" dirty="0">
+              <a:latin typeface="Times New Roman" panose="02020603050405020304" pitchFamily="18" charset="0"/>
+              <a:cs typeface="Times New Roman" panose="02020603050405020304" pitchFamily="18" charset="0"/>
+            </a:endParaRPr>
+          </a:p>
+        </p:txBody>
+      </p:sp>
+      <p:pic>
+        <p:nvPicPr>
+          <p:cNvPr id="4" name="Picture 3"/>
+          <p:cNvPicPr>
+            <a:picLocks noChangeAspect="1"/>
+          </p:cNvPicPr>
+          <p:nvPr/>
+        </p:nvPicPr>
+        <p:blipFill>
+          <a:blip r:embed="rId5"/>
+          <a:stretch>
+            <a:fillRect/>
+          </a:stretch>
+        </p:blipFill>
+        <p:spPr>
+          <a:xfrm>
+            <a:off x="1594272" y="447040"/>
+            <a:ext cx="3987800" cy="2990850"/>
+          </a:xfrm>
+          <a:prstGeom prst="rect">
+            <a:avLst/>
+          </a:prstGeom>
+        </p:spPr>
+      </p:pic>
+      <p:pic>
+        <p:nvPicPr>
+          <p:cNvPr id="8" name="Picture 7"/>
+          <p:cNvPicPr>
+            <a:picLocks noChangeAspect="1"/>
+          </p:cNvPicPr>
+          <p:nvPr/>
+        </p:nvPicPr>
+        <p:blipFill>
+          <a:blip r:embed="rId6"/>
+          <a:stretch>
+            <a:fillRect/>
+          </a:stretch>
+        </p:blipFill>
+        <p:spPr>
+          <a:xfrm>
+            <a:off x="6436358" y="447040"/>
+            <a:ext cx="3987800" cy="2990850"/>
+          </a:xfrm>
+          <a:prstGeom prst="rect">
+            <a:avLst/>
+          </a:prstGeom>
+        </p:spPr>
+      </p:pic>
+      <p:sp>
+        <p:nvSpPr>
+          <p:cNvPr id="9" name="TextBox 8"/>
+          <p:cNvSpPr txBox="1"/>
+          <p:nvPr/>
+        </p:nvSpPr>
+        <p:spPr>
+          <a:xfrm>
+            <a:off x="721360" y="3342313"/>
+            <a:ext cx="10881360" cy="461665"/>
+          </a:xfrm>
+          <a:prstGeom prst="rect">
+            <a:avLst/>
+          </a:prstGeom>
+          <a:noFill/>
+        </p:spPr>
+        <p:txBody>
+          <a:bodyPr wrap="square" rtlCol="0">
+            <a:spAutoFit/>
+          </a:bodyPr>
+          <a:lstStyle/>
+          <a:p>
+            <a:r>
+              <a:rPr lang="sv-SE" sz="2400" b="1" dirty="0" smtClean="0">
+                <a:latin typeface="Times New Roman" panose="02020603050405020304" pitchFamily="18" charset="0"/>
+                <a:cs typeface="Times New Roman" panose="02020603050405020304" pitchFamily="18" charset="0"/>
+              </a:rPr>
+              <a:t>Multi-Carrier Signals (DC </a:t>
+            </a:r>
+            <a:r>
+              <a:rPr lang="sv-SE" sz="2400" b="1" dirty="0" err="1" smtClean="0">
+                <a:latin typeface="Times New Roman" panose="02020603050405020304" pitchFamily="18" charset="0"/>
+                <a:cs typeface="Times New Roman" panose="02020603050405020304" pitchFamily="18" charset="0"/>
+              </a:rPr>
+              <a:t>injected</a:t>
+            </a:r>
+            <a:r>
+              <a:rPr lang="sv-SE" sz="2400" b="1" dirty="0" smtClean="0">
+                <a:latin typeface="Times New Roman" panose="02020603050405020304" pitchFamily="18" charset="0"/>
+                <a:cs typeface="Times New Roman" panose="02020603050405020304" pitchFamily="18" charset="0"/>
+              </a:rPr>
+              <a:t>- </a:t>
+            </a:r>
+            <a:r>
+              <a:rPr lang="sv-SE" sz="2400" b="1" dirty="0" err="1" smtClean="0">
+                <a:latin typeface="Times New Roman" panose="02020603050405020304" pitchFamily="18" charset="0"/>
+                <a:cs typeface="Times New Roman" panose="02020603050405020304" pitchFamily="18" charset="0"/>
+              </a:rPr>
+              <a:t>Variable</a:t>
+            </a:r>
+            <a:r>
+              <a:rPr lang="sv-SE" sz="2400" b="1" dirty="0" smtClean="0">
+                <a:latin typeface="Times New Roman" panose="02020603050405020304" pitchFamily="18" charset="0"/>
+                <a:cs typeface="Times New Roman" panose="02020603050405020304" pitchFamily="18" charset="0"/>
+              </a:rPr>
+              <a:t> CPS- Total </a:t>
+            </a:r>
+            <a:r>
+              <a:rPr lang="sv-SE" sz="2400" b="1" dirty="0" err="1" smtClean="0">
+                <a:latin typeface="Times New Roman" panose="02020603050405020304" pitchFamily="18" charset="0"/>
+                <a:cs typeface="Times New Roman" panose="02020603050405020304" pitchFamily="18" charset="0"/>
+              </a:rPr>
+              <a:t>Harmonic</a:t>
+            </a:r>
+            <a:r>
+              <a:rPr lang="sv-SE" sz="2400" b="1" dirty="0" smtClean="0">
+                <a:latin typeface="Times New Roman" panose="02020603050405020304" pitchFamily="18" charset="0"/>
+                <a:cs typeface="Times New Roman" panose="02020603050405020304" pitchFamily="18" charset="0"/>
+              </a:rPr>
+              <a:t> </a:t>
+            </a:r>
+            <a:r>
+              <a:rPr lang="sv-SE" sz="2400" b="1" dirty="0" err="1" smtClean="0">
+                <a:latin typeface="Times New Roman" panose="02020603050405020304" pitchFamily="18" charset="0"/>
+                <a:cs typeface="Times New Roman" panose="02020603050405020304" pitchFamily="18" charset="0"/>
+              </a:rPr>
+              <a:t>Reduction</a:t>
+            </a:r>
+            <a:r>
+              <a:rPr lang="sv-SE" sz="2400" b="1" dirty="0" smtClean="0">
+                <a:latin typeface="Times New Roman" panose="02020603050405020304" pitchFamily="18" charset="0"/>
+                <a:cs typeface="Times New Roman" panose="02020603050405020304" pitchFamily="18" charset="0"/>
+              </a:rPr>
+              <a:t>)</a:t>
+            </a:r>
+            <a:endParaRPr lang="sv-SE" sz="2400" b="1" dirty="0">
+              <a:latin typeface="Times New Roman" panose="02020603050405020304" pitchFamily="18" charset="0"/>
+              <a:cs typeface="Times New Roman" panose="02020603050405020304" pitchFamily="18" charset="0"/>
+            </a:endParaRPr>
+          </a:p>
+        </p:txBody>
+      </p:sp>
+    </p:spTree>
+    <p:extLst>
+      <p:ext uri="{BB962C8B-B14F-4D97-AF65-F5344CB8AC3E}">
+        <p14:creationId xmlns:p14="http://schemas.microsoft.com/office/powerpoint/2010/main" val="456135894"/>
+      </p:ext>
+    </p:extLst>
+  </p:cSld>
+  <p:clrMapOvr>
+    <a:masterClrMapping/>
+  </p:clrMapOvr>
+</p:sld>
+</file>
+
+<file path=ppt/slides/slide9.xml><?xml version="1.0" encoding="utf-8"?>
+<p:sld xmlns:a="http://schemas.openxmlformats.org/drawingml/2006/main" xmlns:r="http://schemas.openxmlformats.org/officeDocument/2006/relationships" xmlns:p="http://schemas.openxmlformats.org/presentationml/2006/main">
+  <p:cSld>
+    <p:spTree>
+      <p:nvGrpSpPr>
+        <p:cNvPr id="1" name=""/>
+        <p:cNvGrpSpPr/>
+        <p:nvPr/>
+      </p:nvGrpSpPr>
+      <p:grpSpPr>
+        <a:xfrm>
+          <a:off x="0" y="0"/>
+          <a:ext cx="0" cy="0"/>
+          <a:chOff x="0" y="0"/>
+          <a:chExt cx="0" cy="0"/>
+        </a:xfrm>
+      </p:grpSpPr>
+      <p:sp>
+        <p:nvSpPr>
+          <p:cNvPr id="5" name="TextBox 4"/>
+          <p:cNvSpPr txBox="1"/>
+          <p:nvPr/>
+        </p:nvSpPr>
+        <p:spPr>
+          <a:xfrm>
+            <a:off x="4683760" y="0"/>
+            <a:ext cx="3281680" cy="707886"/>
+          </a:xfrm>
+          <a:prstGeom prst="rect">
+            <a:avLst/>
+          </a:prstGeom>
+          <a:noFill/>
+        </p:spPr>
+        <p:txBody>
+          <a:bodyPr wrap="square" rtlCol="0">
+            <a:spAutoFit/>
+          </a:bodyPr>
+          <a:lstStyle/>
+          <a:p>
+            <a:r>
+              <a:rPr lang="en-US" sz="4000" dirty="0" smtClean="0">
+                <a:solidFill>
+                  <a:srgbClr val="C00000"/>
+                </a:solidFill>
+              </a:rPr>
+              <a:t>Non-Idealities</a:t>
+            </a:r>
+            <a:endParaRPr lang="sv-SE" sz="4000" dirty="0">
+              <a:solidFill>
+                <a:srgbClr val="C00000"/>
+              </a:solidFill>
+            </a:endParaRPr>
+          </a:p>
+        </p:txBody>
+      </p:sp>
+      <p:pic>
+        <p:nvPicPr>
+          <p:cNvPr id="9" name="Picture 8"/>
+          <p:cNvPicPr>
+            <a:picLocks noChangeAspect="1"/>
+          </p:cNvPicPr>
+          <p:nvPr/>
+        </p:nvPicPr>
+        <p:blipFill>
+          <a:blip r:embed="rId2"/>
+          <a:stretch>
+            <a:fillRect/>
+          </a:stretch>
+        </p:blipFill>
+        <p:spPr>
+          <a:xfrm>
+            <a:off x="6343649" y="786922"/>
+            <a:ext cx="5547997" cy="4160998"/>
+          </a:xfrm>
+          <a:prstGeom prst="rect">
+            <a:avLst/>
+          </a:prstGeom>
+        </p:spPr>
+      </p:pic>
+      <p:pic>
+        <p:nvPicPr>
+          <p:cNvPr id="10" name="Picture 9"/>
+          <p:cNvPicPr>
+            <a:picLocks noChangeAspect="1"/>
+          </p:cNvPicPr>
+          <p:nvPr/>
+        </p:nvPicPr>
+        <p:blipFill>
+          <a:blip r:embed="rId3"/>
+          <a:stretch>
+            <a:fillRect/>
+          </a:stretch>
+        </p:blipFill>
+        <p:spPr>
+          <a:xfrm>
+            <a:off x="274320" y="786922"/>
+            <a:ext cx="5832476" cy="4374357"/>
           </a:xfrm>
           <a:prstGeom prst="rect">
             <a:avLst/>
@@ -12893,7 +13234,7 @@
     </p:spTree>
     <p:extLst>
       <p:ext uri="{BB962C8B-B14F-4D97-AF65-F5344CB8AC3E}">
-        <p14:creationId xmlns:p14="http://schemas.microsoft.com/office/powerpoint/2010/main" val="918334070"/>
+        <p14:creationId xmlns:p14="http://schemas.microsoft.com/office/powerpoint/2010/main" val="102751297"/>
       </p:ext>
     </p:extLst>
   </p:cSld>

--- a/Switching Function - Reduced CMV PWM/dvdtReduction/dvdt.pptx
+++ b/Switching Function - Reduced CMV PWM/dvdtReduction/dvdt.pptx
@@ -5,7 +5,7 @@
     <p:sldMasterId id="2147483648" r:id="rId1"/>
   </p:sldMasterIdLst>
   <p:notesMasterIdLst>
-    <p:notesMasterId r:id="rId12"/>
+    <p:notesMasterId r:id="rId15"/>
   </p:notesMasterIdLst>
   <p:sldIdLst>
     <p:sldId id="256" r:id="rId2"/>
@@ -18,6 +18,9 @@
     <p:sldId id="265" r:id="rId9"/>
     <p:sldId id="267" r:id="rId10"/>
     <p:sldId id="269" r:id="rId11"/>
+    <p:sldId id="270" r:id="rId12"/>
+    <p:sldId id="271" r:id="rId13"/>
+    <p:sldId id="272" r:id="rId14"/>
   </p:sldIdLst>
   <p:sldSz cx="12192000" cy="6858000"/>
   <p:notesSz cx="6858000" cy="9144000"/>
@@ -206,7 +209,7 @@
           <a:p>
             <a:fld id="{C51242EF-9523-44CC-A9D6-8A54B75E8B6F}" type="datetimeFigureOut">
               <a:rPr lang="sv-SE" smtClean="0"/>
-              <a:t>2023-07-18</a:t>
+              <a:t>2023-08-08</a:t>
             </a:fld>
             <a:endParaRPr lang="sv-SE"/>
           </a:p>
@@ -726,6 +729,90 @@
 </p:notes>
 </file>
 
+<file path=ppt/notesSlides/notesSlide4.xml><?xml version="1.0" encoding="utf-8"?>
+<p:notes xmlns:a="http://schemas.openxmlformats.org/drawingml/2006/main" xmlns:r="http://schemas.openxmlformats.org/officeDocument/2006/relationships" xmlns:p="http://schemas.openxmlformats.org/presentationml/2006/main">
+  <p:cSld>
+    <p:spTree>
+      <p:nvGrpSpPr>
+        <p:cNvPr id="1" name=""/>
+        <p:cNvGrpSpPr/>
+        <p:nvPr/>
+      </p:nvGrpSpPr>
+      <p:grpSpPr>
+        <a:xfrm>
+          <a:off x="0" y="0"/>
+          <a:ext cx="0" cy="0"/>
+          <a:chOff x="0" y="0"/>
+          <a:chExt cx="0" cy="0"/>
+        </a:xfrm>
+      </p:grpSpPr>
+      <p:sp>
+        <p:nvSpPr>
+          <p:cNvPr id="2" name="Slide Image Placeholder 1"/>
+          <p:cNvSpPr>
+            <a:spLocks noGrp="1" noRot="1" noChangeAspect="1"/>
+          </p:cNvSpPr>
+          <p:nvPr>
+            <p:ph type="sldImg"/>
+          </p:nvPr>
+        </p:nvSpPr>
+        <p:spPr/>
+      </p:sp>
+      <p:sp>
+        <p:nvSpPr>
+          <p:cNvPr id="3" name="Notes Placeholder 2"/>
+          <p:cNvSpPr>
+            <a:spLocks noGrp="1"/>
+          </p:cNvSpPr>
+          <p:nvPr>
+            <p:ph type="body" idx="1"/>
+          </p:nvPr>
+        </p:nvSpPr>
+        <p:spPr/>
+        <p:txBody>
+          <a:bodyPr/>
+          <a:lstStyle/>
+          <a:p>
+            <a:endParaRPr lang="sv-SE" dirty="0"/>
+          </a:p>
+        </p:txBody>
+      </p:sp>
+      <p:sp>
+        <p:nvSpPr>
+          <p:cNvPr id="4" name="Slide Number Placeholder 3"/>
+          <p:cNvSpPr>
+            <a:spLocks noGrp="1"/>
+          </p:cNvSpPr>
+          <p:nvPr>
+            <p:ph type="sldNum" sz="quarter" idx="10"/>
+          </p:nvPr>
+        </p:nvSpPr>
+        <p:spPr/>
+        <p:txBody>
+          <a:bodyPr/>
+          <a:lstStyle/>
+          <a:p>
+            <a:fld id="{A07A3E73-AB6F-473D-8A0C-3F8FACBF84DC}" type="slidenum">
+              <a:rPr lang="sv-SE" smtClean="0"/>
+              <a:t>13</a:t>
+            </a:fld>
+            <a:endParaRPr lang="sv-SE"/>
+          </a:p>
+        </p:txBody>
+      </p:sp>
+    </p:spTree>
+    <p:extLst>
+      <p:ext uri="{BB962C8B-B14F-4D97-AF65-F5344CB8AC3E}">
+        <p14:creationId xmlns:p14="http://schemas.microsoft.com/office/powerpoint/2010/main" val="2741041232"/>
+      </p:ext>
+    </p:extLst>
+  </p:cSld>
+  <p:clrMapOvr>
+    <a:masterClrMapping/>
+  </p:clrMapOvr>
+</p:notes>
+</file>
+
 <file path=ppt/slideLayouts/slideLayout1.xml><?xml version="1.0" encoding="utf-8"?>
 <p:sldLayout xmlns:a="http://schemas.openxmlformats.org/drawingml/2006/main" xmlns:r="http://schemas.openxmlformats.org/officeDocument/2006/relationships" xmlns:p="http://schemas.openxmlformats.org/presentationml/2006/main" type="title" preserve="1">
   <p:cSld name="Title Slide">
@@ -857,7 +944,7 @@
           <a:p>
             <a:fld id="{DCB46C5C-7B3C-46DF-B479-A650EF2753E0}" type="datetimeFigureOut">
               <a:rPr lang="sv-SE" smtClean="0"/>
-              <a:t>2023-07-18</a:t>
+              <a:t>2023-08-08</a:t>
             </a:fld>
             <a:endParaRPr lang="sv-SE"/>
           </a:p>
@@ -1027,7 +1114,7 @@
           <a:p>
             <a:fld id="{DCB46C5C-7B3C-46DF-B479-A650EF2753E0}" type="datetimeFigureOut">
               <a:rPr lang="sv-SE" smtClean="0"/>
-              <a:t>2023-07-18</a:t>
+              <a:t>2023-08-08</a:t>
             </a:fld>
             <a:endParaRPr lang="sv-SE"/>
           </a:p>
@@ -1207,7 +1294,7 @@
           <a:p>
             <a:fld id="{DCB46C5C-7B3C-46DF-B479-A650EF2753E0}" type="datetimeFigureOut">
               <a:rPr lang="sv-SE" smtClean="0"/>
-              <a:t>2023-07-18</a:t>
+              <a:t>2023-08-08</a:t>
             </a:fld>
             <a:endParaRPr lang="sv-SE"/>
           </a:p>
@@ -1377,7 +1464,7 @@
           <a:p>
             <a:fld id="{DCB46C5C-7B3C-46DF-B479-A650EF2753E0}" type="datetimeFigureOut">
               <a:rPr lang="sv-SE" smtClean="0"/>
-              <a:t>2023-07-18</a:t>
+              <a:t>2023-08-08</a:t>
             </a:fld>
             <a:endParaRPr lang="sv-SE"/>
           </a:p>
@@ -1623,7 +1710,7 @@
           <a:p>
             <a:fld id="{DCB46C5C-7B3C-46DF-B479-A650EF2753E0}" type="datetimeFigureOut">
               <a:rPr lang="sv-SE" smtClean="0"/>
-              <a:t>2023-07-18</a:t>
+              <a:t>2023-08-08</a:t>
             </a:fld>
             <a:endParaRPr lang="sv-SE"/>
           </a:p>
@@ -1855,7 +1942,7 @@
           <a:p>
             <a:fld id="{DCB46C5C-7B3C-46DF-B479-A650EF2753E0}" type="datetimeFigureOut">
               <a:rPr lang="sv-SE" smtClean="0"/>
-              <a:t>2023-07-18</a:t>
+              <a:t>2023-08-08</a:t>
             </a:fld>
             <a:endParaRPr lang="sv-SE"/>
           </a:p>
@@ -2222,7 +2309,7 @@
           <a:p>
             <a:fld id="{DCB46C5C-7B3C-46DF-B479-A650EF2753E0}" type="datetimeFigureOut">
               <a:rPr lang="sv-SE" smtClean="0"/>
-              <a:t>2023-07-18</a:t>
+              <a:t>2023-08-08</a:t>
             </a:fld>
             <a:endParaRPr lang="sv-SE"/>
           </a:p>
@@ -2340,7 +2427,7 @@
           <a:p>
             <a:fld id="{DCB46C5C-7B3C-46DF-B479-A650EF2753E0}" type="datetimeFigureOut">
               <a:rPr lang="sv-SE" smtClean="0"/>
-              <a:t>2023-07-18</a:t>
+              <a:t>2023-08-08</a:t>
             </a:fld>
             <a:endParaRPr lang="sv-SE"/>
           </a:p>
@@ -2435,7 +2522,7 @@
           <a:p>
             <a:fld id="{DCB46C5C-7B3C-46DF-B479-A650EF2753E0}" type="datetimeFigureOut">
               <a:rPr lang="sv-SE" smtClean="0"/>
-              <a:t>2023-07-18</a:t>
+              <a:t>2023-08-08</a:t>
             </a:fld>
             <a:endParaRPr lang="sv-SE"/>
           </a:p>
@@ -2712,7 +2799,7 @@
           <a:p>
             <a:fld id="{DCB46C5C-7B3C-46DF-B479-A650EF2753E0}" type="datetimeFigureOut">
               <a:rPr lang="sv-SE" smtClean="0"/>
-              <a:t>2023-07-18</a:t>
+              <a:t>2023-08-08</a:t>
             </a:fld>
             <a:endParaRPr lang="sv-SE"/>
           </a:p>
@@ -2965,7 +3052,7 @@
           <a:p>
             <a:fld id="{DCB46C5C-7B3C-46DF-B479-A650EF2753E0}" type="datetimeFigureOut">
               <a:rPr lang="sv-SE" smtClean="0"/>
-              <a:t>2023-07-18</a:t>
+              <a:t>2023-08-08</a:t>
             </a:fld>
             <a:endParaRPr lang="sv-SE"/>
           </a:p>
@@ -3178,7 +3265,7 @@
           <a:p>
             <a:fld id="{DCB46C5C-7B3C-46DF-B479-A650EF2753E0}" type="datetimeFigureOut">
               <a:rPr lang="sv-SE" smtClean="0"/>
-              <a:t>2023-07-18</a:t>
+              <a:t>2023-08-08</a:t>
             </a:fld>
             <a:endParaRPr lang="sv-SE"/>
           </a:p>
@@ -3737,21 +3824,7 @@
                 <a:latin typeface="Times New Roman" panose="02020603050405020304" pitchFamily="18" charset="0"/>
                 <a:cs typeface="Times New Roman" panose="02020603050405020304" pitchFamily="18" charset="0"/>
               </a:rPr>
-              <a:t>Conventionally, it is common  that one carrier signal is utilized. However, for multi-module or </a:t>
-            </a:r>
-            <a:r>
-              <a:rPr lang="en-US" dirty="0" smtClean="0">
-                <a:latin typeface="Times New Roman" panose="02020603050405020304" pitchFamily="18" charset="0"/>
-                <a:cs typeface="Times New Roman" panose="02020603050405020304" pitchFamily="18" charset="0"/>
-              </a:rPr>
-              <a:t>multi-phase </a:t>
-            </a:r>
-            <a:r>
-              <a:rPr lang="en-US" dirty="0" smtClean="0">
-                <a:latin typeface="Times New Roman" panose="02020603050405020304" pitchFamily="18" charset="0"/>
-                <a:cs typeface="Times New Roman" panose="02020603050405020304" pitchFamily="18" charset="0"/>
-              </a:rPr>
-              <a:t>inverters, </a:t>
+              <a:t>Conventionally, it is common  that one carrier signal is utilized. However, for multi-module or multi-phase inverters, </a:t>
             </a:r>
             <a:r>
               <a:rPr lang="en-US" b="1" dirty="0" smtClean="0">
@@ -4113,6 +4186,865 @@
     <p:extLst>
       <p:ext uri="{BB962C8B-B14F-4D97-AF65-F5344CB8AC3E}">
         <p14:creationId xmlns:p14="http://schemas.microsoft.com/office/powerpoint/2010/main" val="3992381661"/>
+      </p:ext>
+    </p:extLst>
+  </p:cSld>
+  <p:clrMapOvr>
+    <a:masterClrMapping/>
+  </p:clrMapOvr>
+</p:sld>
+</file>
+
+<file path=ppt/slides/slide11.xml><?xml version="1.0" encoding="utf-8"?>
+<p:sld xmlns:a="http://schemas.openxmlformats.org/drawingml/2006/main" xmlns:r="http://schemas.openxmlformats.org/officeDocument/2006/relationships" xmlns:p="http://schemas.openxmlformats.org/presentationml/2006/main">
+  <p:cSld>
+    <p:spTree>
+      <p:nvGrpSpPr>
+        <p:cNvPr id="1" name=""/>
+        <p:cNvGrpSpPr/>
+        <p:nvPr/>
+      </p:nvGrpSpPr>
+      <p:grpSpPr>
+        <a:xfrm>
+          <a:off x="0" y="0"/>
+          <a:ext cx="0" cy="0"/>
+          <a:chOff x="0" y="0"/>
+          <a:chExt cx="0" cy="0"/>
+        </a:xfrm>
+      </p:grpSpPr>
+      <p:sp>
+        <p:nvSpPr>
+          <p:cNvPr id="2" name="Title 1"/>
+          <p:cNvSpPr>
+            <a:spLocks noGrp="1"/>
+          </p:cNvSpPr>
+          <p:nvPr>
+            <p:ph type="title"/>
+          </p:nvPr>
+        </p:nvSpPr>
+        <p:spPr>
+          <a:xfrm>
+            <a:off x="3105288" y="21950"/>
+            <a:ext cx="6324600" cy="1325563"/>
+          </a:xfrm>
+        </p:spPr>
+        <p:txBody>
+          <a:bodyPr/>
+          <a:lstStyle/>
+          <a:p>
+            <a:r>
+              <a:rPr lang="en-US" dirty="0" smtClean="0">
+                <a:solidFill>
+                  <a:srgbClr val="C00000"/>
+                </a:solidFill>
+              </a:rPr>
+              <a:t>Capacitive Power Transfer</a:t>
+            </a:r>
+            <a:endParaRPr lang="sv-SE" dirty="0">
+              <a:solidFill>
+                <a:srgbClr val="C00000"/>
+              </a:solidFill>
+            </a:endParaRPr>
+          </a:p>
+        </p:txBody>
+      </p:sp>
+      <p:sp>
+        <p:nvSpPr>
+          <p:cNvPr id="4" name="Rectangle 3"/>
+          <p:cNvSpPr/>
+          <p:nvPr/>
+        </p:nvSpPr>
+        <p:spPr>
+          <a:xfrm>
+            <a:off x="381551" y="836276"/>
+            <a:ext cx="6431280" cy="2031325"/>
+          </a:xfrm>
+          <a:prstGeom prst="rect">
+            <a:avLst/>
+          </a:prstGeom>
+        </p:spPr>
+        <p:txBody>
+          <a:bodyPr wrap="square">
+            <a:spAutoFit/>
+          </a:bodyPr>
+          <a:lstStyle/>
+          <a:p>
+            <a:endParaRPr lang="sv-SE" dirty="0" smtClean="0"/>
+          </a:p>
+          <a:p>
+            <a:r>
+              <a:rPr lang="sv-SE" b="1" dirty="0" smtClean="0"/>
+              <a:t>Rotary </a:t>
+            </a:r>
+            <a:r>
+              <a:rPr lang="sv-SE" b="1" dirty="0" err="1" smtClean="0"/>
+              <a:t>capacitor</a:t>
+            </a:r>
+            <a:r>
+              <a:rPr lang="sv-SE" b="1" dirty="0" smtClean="0"/>
+              <a:t> </a:t>
+            </a:r>
+            <a:r>
+              <a:rPr lang="sv-SE" dirty="0" err="1" smtClean="0"/>
+              <a:t>assemblies</a:t>
+            </a:r>
+            <a:r>
+              <a:rPr lang="sv-SE" dirty="0" smtClean="0"/>
+              <a:t> </a:t>
+            </a:r>
+            <a:r>
+              <a:rPr lang="sv-SE" dirty="0" err="1" smtClean="0"/>
+              <a:t>divert</a:t>
+            </a:r>
+            <a:r>
+              <a:rPr lang="sv-SE" dirty="0" smtClean="0"/>
+              <a:t> or </a:t>
+            </a:r>
+            <a:r>
+              <a:rPr lang="sv-SE" b="1" dirty="0" err="1" smtClean="0"/>
+              <a:t>mitigate</a:t>
+            </a:r>
+            <a:r>
+              <a:rPr lang="sv-SE" dirty="0" smtClean="0"/>
+              <a:t> </a:t>
+            </a:r>
+            <a:r>
+              <a:rPr lang="en-US" b="1" dirty="0" smtClean="0"/>
+              <a:t>high-frequency</a:t>
+            </a:r>
+            <a:r>
+              <a:rPr lang="sv-SE" b="1" dirty="0" smtClean="0"/>
+              <a:t> </a:t>
+            </a:r>
+            <a:r>
+              <a:rPr lang="sv-SE" b="1" dirty="0" err="1" smtClean="0"/>
+              <a:t>electrical</a:t>
+            </a:r>
+            <a:r>
+              <a:rPr lang="sv-SE" b="1" dirty="0" smtClean="0"/>
+              <a:t> </a:t>
+            </a:r>
+            <a:r>
+              <a:rPr lang="sv-SE" b="1" dirty="0" err="1" smtClean="0"/>
+              <a:t>currents</a:t>
+            </a:r>
+            <a:r>
+              <a:rPr lang="sv-SE" b="1" dirty="0" smtClean="0"/>
+              <a:t> </a:t>
+            </a:r>
+            <a:r>
+              <a:rPr lang="sv-SE" dirty="0" smtClean="0"/>
+              <a:t>and </a:t>
+            </a:r>
+            <a:r>
+              <a:rPr lang="sv-SE" dirty="0" err="1" smtClean="0"/>
+              <a:t>voltages</a:t>
+            </a:r>
+            <a:r>
+              <a:rPr lang="sv-SE" dirty="0" smtClean="0"/>
+              <a:t> </a:t>
+            </a:r>
+            <a:r>
+              <a:rPr lang="sv-SE" b="1" dirty="0" smtClean="0"/>
+              <a:t>in </a:t>
+            </a:r>
+            <a:r>
+              <a:rPr lang="sv-SE" b="1" dirty="0" err="1" smtClean="0"/>
+              <a:t>bearings</a:t>
+            </a:r>
+            <a:r>
+              <a:rPr lang="sv-SE" b="1" dirty="0" smtClean="0"/>
+              <a:t> </a:t>
+            </a:r>
+            <a:r>
+              <a:rPr lang="sv-SE" dirty="0" err="1" smtClean="0"/>
+              <a:t>of</a:t>
+            </a:r>
+            <a:r>
+              <a:rPr lang="sv-SE" dirty="0" smtClean="0"/>
+              <a:t> </a:t>
+            </a:r>
+            <a:r>
+              <a:rPr lang="sv-SE" dirty="0" err="1" smtClean="0"/>
+              <a:t>electric</a:t>
+            </a:r>
+            <a:r>
+              <a:rPr lang="sv-SE" dirty="0" smtClean="0"/>
+              <a:t> </a:t>
+            </a:r>
+            <a:r>
+              <a:rPr lang="sv-SE" dirty="0" err="1" smtClean="0"/>
+              <a:t>machinery</a:t>
+            </a:r>
+            <a:r>
+              <a:rPr lang="sv-SE" dirty="0" smtClean="0"/>
+              <a:t> (</a:t>
+            </a:r>
+            <a:r>
+              <a:rPr lang="sv-SE" dirty="0" err="1" smtClean="0"/>
+              <a:t>e.g</a:t>
+            </a:r>
+            <a:r>
+              <a:rPr lang="sv-SE" dirty="0" smtClean="0"/>
+              <a:t>., motors and </a:t>
+            </a:r>
+            <a:r>
+              <a:rPr lang="sv-SE" dirty="0"/>
+              <a:t>generators) </a:t>
+            </a:r>
+            <a:r>
+              <a:rPr lang="sv-SE" dirty="0" err="1"/>
+              <a:t>without</a:t>
+            </a:r>
+            <a:r>
+              <a:rPr lang="sv-SE" dirty="0"/>
+              <a:t> </a:t>
+            </a:r>
+            <a:r>
+              <a:rPr lang="sv-SE" dirty="0" err="1"/>
+              <a:t>direct</a:t>
+            </a:r>
+            <a:r>
+              <a:rPr lang="sv-SE" dirty="0"/>
+              <a:t> </a:t>
+            </a:r>
+            <a:r>
+              <a:rPr lang="sv-SE" dirty="0" err="1"/>
+              <a:t>contact</a:t>
+            </a:r>
+            <a:r>
+              <a:rPr lang="sv-SE" dirty="0"/>
+              <a:t> </a:t>
+            </a:r>
+            <a:r>
+              <a:rPr lang="sv-SE" dirty="0" err="1"/>
+              <a:t>with</a:t>
+            </a:r>
+            <a:r>
+              <a:rPr lang="sv-SE" dirty="0"/>
+              <a:t> </a:t>
+            </a:r>
+            <a:r>
+              <a:rPr lang="sv-SE" dirty="0" smtClean="0"/>
+              <a:t>the </a:t>
+            </a:r>
+            <a:r>
+              <a:rPr lang="sv-SE" dirty="0" err="1"/>
+              <a:t>bearings</a:t>
+            </a:r>
+            <a:r>
+              <a:rPr lang="sv-SE" dirty="0"/>
+              <a:t>. </a:t>
+            </a:r>
+            <a:r>
+              <a:rPr lang="sv-SE" dirty="0" smtClean="0"/>
+              <a:t> </a:t>
+            </a:r>
+          </a:p>
+          <a:p>
+            <a:endParaRPr lang="en-US" dirty="0"/>
+          </a:p>
+          <a:p>
+            <a:r>
+              <a:rPr lang="sv-SE" dirty="0"/>
+              <a:t>United States Patent, US 9,653,970B2</a:t>
+            </a:r>
+            <a:endParaRPr lang="sv-SE" dirty="0" smtClean="0"/>
+          </a:p>
+        </p:txBody>
+      </p:sp>
+      <p:pic>
+        <p:nvPicPr>
+          <p:cNvPr id="5" name="Picture 4"/>
+          <p:cNvPicPr>
+            <a:picLocks noChangeAspect="1"/>
+          </p:cNvPicPr>
+          <p:nvPr/>
+        </p:nvPicPr>
+        <p:blipFill>
+          <a:blip r:embed="rId2"/>
+          <a:stretch>
+            <a:fillRect/>
+          </a:stretch>
+        </p:blipFill>
+        <p:spPr>
+          <a:xfrm>
+            <a:off x="6667775" y="2556193"/>
+            <a:ext cx="5379169" cy="4301807"/>
+          </a:xfrm>
+          <a:prstGeom prst="rect">
+            <a:avLst/>
+          </a:prstGeom>
+        </p:spPr>
+      </p:pic>
+      <p:pic>
+        <p:nvPicPr>
+          <p:cNvPr id="6" name="Picture 5"/>
+          <p:cNvPicPr>
+            <a:picLocks noChangeAspect="1"/>
+          </p:cNvPicPr>
+          <p:nvPr/>
+        </p:nvPicPr>
+        <p:blipFill>
+          <a:blip r:embed="rId3"/>
+          <a:stretch>
+            <a:fillRect/>
+          </a:stretch>
+        </p:blipFill>
+        <p:spPr>
+          <a:xfrm>
+            <a:off x="1325795" y="3030080"/>
+            <a:ext cx="4103799" cy="3665359"/>
+          </a:xfrm>
+          <a:prstGeom prst="rect">
+            <a:avLst/>
+          </a:prstGeom>
+        </p:spPr>
+      </p:pic>
+    </p:spTree>
+    <p:extLst>
+      <p:ext uri="{BB962C8B-B14F-4D97-AF65-F5344CB8AC3E}">
+        <p14:creationId xmlns:p14="http://schemas.microsoft.com/office/powerpoint/2010/main" val="1399511619"/>
+      </p:ext>
+    </p:extLst>
+  </p:cSld>
+  <p:clrMapOvr>
+    <a:masterClrMapping/>
+  </p:clrMapOvr>
+</p:sld>
+</file>
+
+<file path=ppt/slides/slide12.xml><?xml version="1.0" encoding="utf-8"?>
+<p:sld xmlns:a="http://schemas.openxmlformats.org/drawingml/2006/main" xmlns:r="http://schemas.openxmlformats.org/officeDocument/2006/relationships" xmlns:p="http://schemas.openxmlformats.org/presentationml/2006/main">
+  <p:cSld>
+    <p:spTree>
+      <p:nvGrpSpPr>
+        <p:cNvPr id="1" name=""/>
+        <p:cNvGrpSpPr/>
+        <p:nvPr/>
+      </p:nvGrpSpPr>
+      <p:grpSpPr>
+        <a:xfrm>
+          <a:off x="0" y="0"/>
+          <a:ext cx="0" cy="0"/>
+          <a:chOff x="0" y="0"/>
+          <a:chExt cx="0" cy="0"/>
+        </a:xfrm>
+      </p:grpSpPr>
+      <p:sp>
+        <p:nvSpPr>
+          <p:cNvPr id="2" name="Title 1"/>
+          <p:cNvSpPr>
+            <a:spLocks noGrp="1"/>
+          </p:cNvSpPr>
+          <p:nvPr>
+            <p:ph type="title"/>
+          </p:nvPr>
+        </p:nvSpPr>
+        <p:spPr>
+          <a:xfrm>
+            <a:off x="3032760" y="153115"/>
+            <a:ext cx="6324600" cy="1325563"/>
+          </a:xfrm>
+        </p:spPr>
+        <p:txBody>
+          <a:bodyPr/>
+          <a:lstStyle/>
+          <a:p>
+            <a:r>
+              <a:rPr lang="en-US" dirty="0" smtClean="0">
+                <a:solidFill>
+                  <a:srgbClr val="C00000"/>
+                </a:solidFill>
+              </a:rPr>
+              <a:t>Capacitive Power Transfer</a:t>
+            </a:r>
+            <a:endParaRPr lang="sv-SE" dirty="0">
+              <a:solidFill>
+                <a:srgbClr val="C00000"/>
+              </a:solidFill>
+            </a:endParaRPr>
+          </a:p>
+        </p:txBody>
+      </p:sp>
+      <p:sp>
+        <p:nvSpPr>
+          <p:cNvPr id="3" name="Rectangle 2"/>
+          <p:cNvSpPr/>
+          <p:nvPr/>
+        </p:nvSpPr>
+        <p:spPr>
+          <a:xfrm>
+            <a:off x="182880" y="1356940"/>
+            <a:ext cx="5334000" cy="923330"/>
+          </a:xfrm>
+          <a:prstGeom prst="rect">
+            <a:avLst/>
+          </a:prstGeom>
+        </p:spPr>
+        <p:txBody>
+          <a:bodyPr wrap="square">
+            <a:spAutoFit/>
+          </a:bodyPr>
+          <a:lstStyle/>
+          <a:p>
+            <a:r>
+              <a:rPr lang="sv-SE" dirty="0" err="1"/>
+              <a:t>Analysis</a:t>
+            </a:r>
+            <a:r>
+              <a:rPr lang="sv-SE" dirty="0"/>
+              <a:t> and </a:t>
+            </a:r>
+            <a:r>
+              <a:rPr lang="sv-SE" dirty="0" err="1"/>
+              <a:t>Utilization</a:t>
+            </a:r>
+            <a:r>
+              <a:rPr lang="sv-SE" dirty="0"/>
+              <a:t> </a:t>
+            </a:r>
+            <a:r>
+              <a:rPr lang="sv-SE" dirty="0" err="1"/>
+              <a:t>of</a:t>
+            </a:r>
+            <a:r>
+              <a:rPr lang="sv-SE" dirty="0"/>
+              <a:t> Common-Mode </a:t>
+            </a:r>
+            <a:r>
+              <a:rPr lang="sv-SE" dirty="0" err="1"/>
+              <a:t>Voltage</a:t>
+            </a:r>
+            <a:r>
+              <a:rPr lang="sv-SE" dirty="0"/>
+              <a:t> in </a:t>
+            </a:r>
+            <a:r>
+              <a:rPr lang="sv-SE" dirty="0" err="1"/>
+              <a:t>Inverters</a:t>
+            </a:r>
+            <a:r>
+              <a:rPr lang="sv-SE" dirty="0"/>
+              <a:t> for Power </a:t>
+            </a:r>
+            <a:r>
+              <a:rPr lang="sv-SE" dirty="0" err="1" smtClean="0"/>
+              <a:t>Supply</a:t>
+            </a:r>
+            <a:r>
+              <a:rPr lang="sv-SE" dirty="0" smtClean="0"/>
+              <a:t>, </a:t>
+            </a:r>
+            <a:r>
+              <a:rPr lang="en-US" dirty="0"/>
+              <a:t>IEEE TRANSACTIONS ON POWER ELECTRONICS, VOL. 38, NO. 7, JULY 2023</a:t>
+            </a:r>
+            <a:endParaRPr lang="sv-SE" dirty="0"/>
+          </a:p>
+        </p:txBody>
+      </p:sp>
+      <p:sp>
+        <p:nvSpPr>
+          <p:cNvPr id="6" name="Rectangle 5"/>
+          <p:cNvSpPr/>
+          <p:nvPr/>
+        </p:nvSpPr>
+        <p:spPr>
+          <a:xfrm>
+            <a:off x="182880" y="2475548"/>
+            <a:ext cx="5445760" cy="923330"/>
+          </a:xfrm>
+          <a:prstGeom prst="rect">
+            <a:avLst/>
+          </a:prstGeom>
+        </p:spPr>
+        <p:txBody>
+          <a:bodyPr wrap="square">
+            <a:spAutoFit/>
+          </a:bodyPr>
+          <a:lstStyle/>
+          <a:p>
+            <a:r>
+              <a:rPr lang="sv-SE" dirty="0"/>
+              <a:t>From the </a:t>
+            </a:r>
+            <a:r>
+              <a:rPr lang="sv-SE" dirty="0" err="1"/>
+              <a:t>perspective</a:t>
+            </a:r>
+            <a:r>
+              <a:rPr lang="sv-SE" dirty="0"/>
+              <a:t> </a:t>
+            </a:r>
+            <a:r>
+              <a:rPr lang="sv-SE" dirty="0" err="1"/>
+              <a:t>of</a:t>
+            </a:r>
+            <a:r>
+              <a:rPr lang="sv-SE" dirty="0"/>
+              <a:t> </a:t>
+            </a:r>
+            <a:r>
+              <a:rPr lang="sv-SE" b="1" dirty="0" err="1"/>
+              <a:t>energy</a:t>
+            </a:r>
+            <a:r>
+              <a:rPr lang="sv-SE" b="1" dirty="0"/>
+              <a:t> </a:t>
+            </a:r>
+            <a:r>
+              <a:rPr lang="sv-SE" b="1" dirty="0" err="1"/>
+              <a:t>utilization</a:t>
+            </a:r>
+            <a:r>
+              <a:rPr lang="sv-SE" dirty="0"/>
+              <a:t>, </a:t>
+            </a:r>
+            <a:r>
+              <a:rPr lang="sv-SE" dirty="0" err="1"/>
+              <a:t>this</a:t>
+            </a:r>
+            <a:r>
+              <a:rPr lang="sv-SE" dirty="0"/>
+              <a:t> </a:t>
+            </a:r>
+            <a:r>
+              <a:rPr lang="sv-SE" dirty="0" err="1"/>
+              <a:t>article</a:t>
+            </a:r>
+            <a:r>
+              <a:rPr lang="sv-SE" dirty="0"/>
+              <a:t> </a:t>
+            </a:r>
+            <a:r>
+              <a:rPr lang="sv-SE" dirty="0" err="1"/>
+              <a:t>proposed</a:t>
+            </a:r>
+            <a:r>
+              <a:rPr lang="sv-SE" dirty="0"/>
+              <a:t> a </a:t>
+            </a:r>
+            <a:r>
+              <a:rPr lang="sv-SE" dirty="0" err="1"/>
+              <a:t>method</a:t>
+            </a:r>
+            <a:r>
+              <a:rPr lang="sv-SE" dirty="0"/>
+              <a:t> </a:t>
+            </a:r>
+            <a:r>
+              <a:rPr lang="sv-SE" dirty="0" err="1"/>
+              <a:t>of</a:t>
+            </a:r>
+            <a:r>
+              <a:rPr lang="sv-SE" dirty="0"/>
+              <a:t> </a:t>
+            </a:r>
+            <a:r>
+              <a:rPr lang="sv-SE" dirty="0" err="1"/>
+              <a:t>powering</a:t>
+            </a:r>
+            <a:r>
+              <a:rPr lang="sv-SE" dirty="0"/>
+              <a:t> the </a:t>
+            </a:r>
+            <a:r>
+              <a:rPr lang="sv-SE" dirty="0" err="1"/>
+              <a:t>load</a:t>
+            </a:r>
+            <a:r>
+              <a:rPr lang="sv-SE" dirty="0"/>
+              <a:t> by </a:t>
+            </a:r>
+            <a:r>
+              <a:rPr lang="sv-SE" dirty="0" err="1"/>
+              <a:t>collecting</a:t>
+            </a:r>
+            <a:r>
+              <a:rPr lang="sv-SE" dirty="0"/>
+              <a:t> the </a:t>
+            </a:r>
+            <a:r>
+              <a:rPr lang="sv-SE" dirty="0" err="1"/>
+              <a:t>energy</a:t>
+            </a:r>
+            <a:r>
+              <a:rPr lang="sv-SE" dirty="0"/>
+              <a:t> </a:t>
+            </a:r>
+            <a:r>
+              <a:rPr lang="sv-SE" dirty="0" err="1"/>
+              <a:t>of</a:t>
+            </a:r>
+            <a:r>
+              <a:rPr lang="sv-SE" dirty="0"/>
+              <a:t> CMV.</a:t>
+            </a:r>
+          </a:p>
+        </p:txBody>
+      </p:sp>
+      <p:pic>
+        <p:nvPicPr>
+          <p:cNvPr id="7" name="Picture 6"/>
+          <p:cNvPicPr>
+            <a:picLocks noChangeAspect="1"/>
+          </p:cNvPicPr>
+          <p:nvPr/>
+        </p:nvPicPr>
+        <p:blipFill rotWithShape="1">
+          <a:blip r:embed="rId2"/>
+          <a:srcRect l="2315"/>
+          <a:stretch/>
+        </p:blipFill>
+        <p:spPr>
+          <a:xfrm>
+            <a:off x="6154420" y="1185958"/>
+            <a:ext cx="5577003" cy="5695124"/>
+          </a:xfrm>
+          <a:prstGeom prst="rect">
+            <a:avLst/>
+          </a:prstGeom>
+        </p:spPr>
+      </p:pic>
+      <p:pic>
+        <p:nvPicPr>
+          <p:cNvPr id="8" name="Picture 7"/>
+          <p:cNvPicPr>
+            <a:picLocks noChangeAspect="1"/>
+          </p:cNvPicPr>
+          <p:nvPr/>
+        </p:nvPicPr>
+        <p:blipFill>
+          <a:blip r:embed="rId3"/>
+          <a:stretch>
+            <a:fillRect/>
+          </a:stretch>
+        </p:blipFill>
+        <p:spPr>
+          <a:xfrm>
+            <a:off x="0" y="4033520"/>
+            <a:ext cx="5805259" cy="2492194"/>
+          </a:xfrm>
+          <a:prstGeom prst="rect">
+            <a:avLst/>
+          </a:prstGeom>
+        </p:spPr>
+      </p:pic>
+    </p:spTree>
+    <p:extLst>
+      <p:ext uri="{BB962C8B-B14F-4D97-AF65-F5344CB8AC3E}">
+        <p14:creationId xmlns:p14="http://schemas.microsoft.com/office/powerpoint/2010/main" val="4072981099"/>
+      </p:ext>
+    </p:extLst>
+  </p:cSld>
+  <p:clrMapOvr>
+    <a:masterClrMapping/>
+  </p:clrMapOvr>
+</p:sld>
+</file>
+
+<file path=ppt/slides/slide13.xml><?xml version="1.0" encoding="utf-8"?>
+<p:sld xmlns:a="http://schemas.openxmlformats.org/drawingml/2006/main" xmlns:r="http://schemas.openxmlformats.org/officeDocument/2006/relationships" xmlns:p="http://schemas.openxmlformats.org/presentationml/2006/main">
+  <p:cSld>
+    <p:spTree>
+      <p:nvGrpSpPr>
+        <p:cNvPr id="1" name=""/>
+        <p:cNvGrpSpPr/>
+        <p:nvPr/>
+      </p:nvGrpSpPr>
+      <p:grpSpPr>
+        <a:xfrm>
+          <a:off x="0" y="0"/>
+          <a:ext cx="0" cy="0"/>
+          <a:chOff x="0" y="0"/>
+          <a:chExt cx="0" cy="0"/>
+        </a:xfrm>
+      </p:grpSpPr>
+      <p:sp>
+        <p:nvSpPr>
+          <p:cNvPr id="2" name="Title 1"/>
+          <p:cNvSpPr>
+            <a:spLocks noGrp="1"/>
+          </p:cNvSpPr>
+          <p:nvPr>
+            <p:ph type="title"/>
+          </p:nvPr>
+        </p:nvSpPr>
+        <p:spPr/>
+        <p:txBody>
+          <a:bodyPr/>
+          <a:lstStyle/>
+          <a:p>
+            <a:r>
+              <a:rPr lang="en-US" dirty="0" smtClean="0">
+                <a:solidFill>
+                  <a:srgbClr val="C00000"/>
+                </a:solidFill>
+              </a:rPr>
+              <a:t>Constant dv/</a:t>
+            </a:r>
+            <a:r>
+              <a:rPr lang="en-US" dirty="0" err="1" smtClean="0">
+                <a:solidFill>
+                  <a:srgbClr val="C00000"/>
+                </a:solidFill>
+              </a:rPr>
+              <a:t>dt</a:t>
+            </a:r>
+            <a:endParaRPr lang="sv-SE" dirty="0">
+              <a:solidFill>
+                <a:srgbClr val="C00000"/>
+              </a:solidFill>
+            </a:endParaRPr>
+          </a:p>
+        </p:txBody>
+      </p:sp>
+      <p:sp>
+        <p:nvSpPr>
+          <p:cNvPr id="4" name="Rectangle 3"/>
+          <p:cNvSpPr/>
+          <p:nvPr/>
+        </p:nvSpPr>
+        <p:spPr>
+          <a:xfrm>
+            <a:off x="223520" y="1690688"/>
+            <a:ext cx="6604000" cy="923330"/>
+          </a:xfrm>
+          <a:prstGeom prst="rect">
+            <a:avLst/>
+          </a:prstGeom>
+        </p:spPr>
+        <p:txBody>
+          <a:bodyPr wrap="square">
+            <a:spAutoFit/>
+          </a:bodyPr>
+          <a:lstStyle/>
+          <a:p>
+            <a:r>
+              <a:rPr lang="sv-SE" dirty="0" err="1"/>
+              <a:t>Dynamic</a:t>
+            </a:r>
+            <a:r>
+              <a:rPr lang="sv-SE" dirty="0"/>
+              <a:t> dv/dt Control </a:t>
+            </a:r>
+            <a:r>
+              <a:rPr lang="sv-SE" dirty="0" err="1"/>
+              <a:t>Strategy</a:t>
+            </a:r>
+            <a:r>
+              <a:rPr lang="sv-SE" dirty="0"/>
+              <a:t> </a:t>
+            </a:r>
+            <a:r>
+              <a:rPr lang="sv-SE" dirty="0" err="1"/>
+              <a:t>of</a:t>
+            </a:r>
+            <a:r>
+              <a:rPr lang="sv-SE" dirty="0"/>
+              <a:t> </a:t>
+            </a:r>
+            <a:r>
+              <a:rPr lang="sv-SE" dirty="0" err="1"/>
+              <a:t>SiC</a:t>
+            </a:r>
+            <a:r>
+              <a:rPr lang="sv-SE" dirty="0"/>
+              <a:t> MOSFET for </a:t>
+            </a:r>
+            <a:r>
+              <a:rPr lang="sv-SE" dirty="0" err="1"/>
+              <a:t>Switching</a:t>
+            </a:r>
+            <a:r>
+              <a:rPr lang="sv-SE" dirty="0"/>
+              <a:t> Loss </a:t>
+            </a:r>
+            <a:r>
+              <a:rPr lang="sv-SE" dirty="0" err="1"/>
+              <a:t>Reduction</a:t>
+            </a:r>
+            <a:r>
+              <a:rPr lang="sv-SE" dirty="0"/>
+              <a:t> in the </a:t>
+            </a:r>
+            <a:r>
+              <a:rPr lang="sv-SE" dirty="0" err="1"/>
+              <a:t>Operational</a:t>
+            </a:r>
+            <a:r>
+              <a:rPr lang="sv-SE" dirty="0"/>
+              <a:t> Power </a:t>
+            </a:r>
+            <a:r>
+              <a:rPr lang="sv-SE" dirty="0" smtClean="0"/>
+              <a:t>Range, </a:t>
+            </a:r>
+            <a:r>
+              <a:rPr lang="en-US" dirty="0"/>
+              <a:t>IEEE TRANSACTIONS ON POWER ELECTRONICS, VOL. 37, NO. 6, JUNE </a:t>
+            </a:r>
+            <a:r>
+              <a:rPr lang="en-US" dirty="0" smtClean="0"/>
+              <a:t>2022- LETTER</a:t>
+            </a:r>
+            <a:endParaRPr lang="sv-SE" dirty="0"/>
+          </a:p>
+        </p:txBody>
+      </p:sp>
+      <p:pic>
+        <p:nvPicPr>
+          <p:cNvPr id="5" name="Picture 4"/>
+          <p:cNvPicPr>
+            <a:picLocks noChangeAspect="1"/>
+          </p:cNvPicPr>
+          <p:nvPr/>
+        </p:nvPicPr>
+        <p:blipFill>
+          <a:blip r:embed="rId3"/>
+          <a:stretch>
+            <a:fillRect/>
+          </a:stretch>
+        </p:blipFill>
+        <p:spPr>
+          <a:xfrm>
+            <a:off x="920750" y="3241040"/>
+            <a:ext cx="6693079" cy="3158807"/>
+          </a:xfrm>
+          <a:prstGeom prst="rect">
+            <a:avLst/>
+          </a:prstGeom>
+        </p:spPr>
+      </p:pic>
+      <p:pic>
+        <p:nvPicPr>
+          <p:cNvPr id="6" name="Picture 5"/>
+          <p:cNvPicPr>
+            <a:picLocks noChangeAspect="1"/>
+          </p:cNvPicPr>
+          <p:nvPr/>
+        </p:nvPicPr>
+        <p:blipFill>
+          <a:blip r:embed="rId4"/>
+          <a:stretch>
+            <a:fillRect/>
+          </a:stretch>
+        </p:blipFill>
+        <p:spPr>
+          <a:xfrm>
+            <a:off x="7347586" y="554156"/>
+            <a:ext cx="4389962" cy="3527107"/>
+          </a:xfrm>
+          <a:prstGeom prst="rect">
+            <a:avLst/>
+          </a:prstGeom>
+        </p:spPr>
+      </p:pic>
+    </p:spTree>
+    <p:extLst>
+      <p:ext uri="{BB962C8B-B14F-4D97-AF65-F5344CB8AC3E}">
+        <p14:creationId xmlns:p14="http://schemas.microsoft.com/office/powerpoint/2010/main" val="1313684245"/>
       </p:ext>
     </p:extLst>
   </p:cSld>
@@ -4878,7 +5810,21 @@
                 <a:latin typeface="Times New Roman" panose="02020603050405020304" pitchFamily="18" charset="0"/>
                 <a:cs typeface="Times New Roman" panose="02020603050405020304" pitchFamily="18" charset="0"/>
               </a:rPr>
-              <a:t>its tripled harmonics</a:t>
+              <a:t>its </a:t>
+            </a:r>
+            <a:r>
+              <a:rPr lang="en-US" b="1" dirty="0" err="1" smtClean="0">
+                <a:latin typeface="Times New Roman" panose="02020603050405020304" pitchFamily="18" charset="0"/>
+                <a:cs typeface="Times New Roman" panose="02020603050405020304" pitchFamily="18" charset="0"/>
+              </a:rPr>
+              <a:t>triplen</a:t>
+            </a:r>
+            <a:r>
+              <a:rPr lang="en-US" b="1" dirty="0" smtClean="0">
+                <a:latin typeface="Times New Roman" panose="02020603050405020304" pitchFamily="18" charset="0"/>
+                <a:cs typeface="Times New Roman" panose="02020603050405020304" pitchFamily="18" charset="0"/>
+              </a:rPr>
+              <a:t> harmonics</a:t>
             </a:r>
             <a:r>
               <a:rPr lang="en-US" dirty="0" smtClean="0">
@@ -4898,7 +5844,7 @@
         </p:nvSpPr>
         <p:spPr>
           <a:xfrm>
-            <a:off x="9224395" y="2281326"/>
+            <a:off x="9112635" y="2261012"/>
             <a:ext cx="1256066" cy="477054"/>
           </a:xfrm>
           <a:prstGeom prst="rect">
@@ -4920,8 +5866,8 @@
           </a:p>
         </p:txBody>
       </p:sp>
-      <mc:AlternateContent xmlns:mc="http://schemas.openxmlformats.org/markup-compatibility/2006">
-        <mc:Choice xmlns:a14="http://schemas.microsoft.com/office/drawing/2010/main" Requires="a14">
+      <mc:AlternateContent xmlns:mc="http://schemas.openxmlformats.org/markup-compatibility/2006" xmlns:a14="http://schemas.microsoft.com/office/drawing/2010/main">
+        <mc:Choice Requires="a14">
           <p:sp>
             <p:nvSpPr>
               <p:cNvPr id="55" name="TextBox 54"/>
@@ -5089,7 +6035,7 @@
             </p:txBody>
           </p:sp>
         </mc:Choice>
-        <mc:Fallback>
+        <mc:Fallback xmlns="">
           <p:sp>
             <p:nvSpPr>
               <p:cNvPr id="55" name="TextBox 54"/>
@@ -5128,8 +6074,8 @@
           </p:sp>
         </mc:Fallback>
       </mc:AlternateContent>
-      <mc:AlternateContent xmlns:mc="http://schemas.openxmlformats.org/markup-compatibility/2006">
-        <mc:Choice xmlns:a14="http://schemas.microsoft.com/office/drawing/2010/main" Requires="a14">
+      <mc:AlternateContent xmlns:mc="http://schemas.openxmlformats.org/markup-compatibility/2006" xmlns:a14="http://schemas.microsoft.com/office/drawing/2010/main">
+        <mc:Choice Requires="a14">
           <p:sp>
             <p:nvSpPr>
               <p:cNvPr id="56" name="TextBox 55"/>
@@ -5254,7 +6200,7 @@
             </p:txBody>
           </p:sp>
         </mc:Choice>
-        <mc:Fallback>
+        <mc:Fallback xmlns="">
           <p:sp>
             <p:nvSpPr>
               <p:cNvPr id="56" name="TextBox 55"/>
@@ -5293,8 +6239,8 @@
           </p:sp>
         </mc:Fallback>
       </mc:AlternateContent>
-      <mc:AlternateContent xmlns:mc="http://schemas.openxmlformats.org/markup-compatibility/2006">
-        <mc:Choice xmlns:a14="http://schemas.microsoft.com/office/drawing/2010/main" Requires="a14">
+      <mc:AlternateContent xmlns:mc="http://schemas.openxmlformats.org/markup-compatibility/2006" xmlns:a14="http://schemas.microsoft.com/office/drawing/2010/main">
+        <mc:Choice Requires="a14">
           <p:sp>
             <p:nvSpPr>
               <p:cNvPr id="57" name="TextBox 56"/>
@@ -5462,7 +6408,7 @@
             </p:txBody>
           </p:sp>
         </mc:Choice>
-        <mc:Fallback>
+        <mc:Fallback xmlns="">
           <p:sp>
             <p:nvSpPr>
               <p:cNvPr id="57" name="TextBox 56"/>
@@ -5501,8 +6447,8 @@
           </p:sp>
         </mc:Fallback>
       </mc:AlternateContent>
-      <mc:AlternateContent xmlns:mc="http://schemas.openxmlformats.org/markup-compatibility/2006">
-        <mc:Choice xmlns:a14="http://schemas.microsoft.com/office/drawing/2010/main" Requires="a14">
+      <mc:AlternateContent xmlns:mc="http://schemas.openxmlformats.org/markup-compatibility/2006" xmlns:a14="http://schemas.microsoft.com/office/drawing/2010/main">
+        <mc:Choice Requires="a14">
           <p:sp>
             <p:nvSpPr>
               <p:cNvPr id="58" name="TextBox 57"/>
@@ -5639,7 +6585,7 @@
             </p:txBody>
           </p:sp>
         </mc:Choice>
-        <mc:Fallback>
+        <mc:Fallback xmlns="">
           <p:sp>
             <p:nvSpPr>
               <p:cNvPr id="58" name="TextBox 57"/>
@@ -5678,8 +6624,8 @@
           </p:sp>
         </mc:Fallback>
       </mc:AlternateContent>
-      <mc:AlternateContent xmlns:mc="http://schemas.openxmlformats.org/markup-compatibility/2006">
-        <mc:Choice xmlns:a14="http://schemas.microsoft.com/office/drawing/2010/main" Requires="a14">
+      <mc:AlternateContent xmlns:mc="http://schemas.openxmlformats.org/markup-compatibility/2006" xmlns:a14="http://schemas.microsoft.com/office/drawing/2010/main">
+        <mc:Choice Requires="a14">
           <p:sp>
             <p:nvSpPr>
               <p:cNvPr id="59" name="TextBox 58"/>
@@ -5847,7 +6793,7 @@
             </p:txBody>
           </p:sp>
         </mc:Choice>
-        <mc:Fallback>
+        <mc:Fallback xmlns="">
           <p:sp>
             <p:nvSpPr>
               <p:cNvPr id="59" name="TextBox 58"/>
@@ -5886,8 +6832,8 @@
           </p:sp>
         </mc:Fallback>
       </mc:AlternateContent>
-      <mc:AlternateContent xmlns:mc="http://schemas.openxmlformats.org/markup-compatibility/2006">
-        <mc:Choice xmlns:a14="http://schemas.microsoft.com/office/drawing/2010/main" Requires="a14">
+      <mc:AlternateContent xmlns:mc="http://schemas.openxmlformats.org/markup-compatibility/2006" xmlns:a14="http://schemas.microsoft.com/office/drawing/2010/main">
+        <mc:Choice Requires="a14">
           <p:sp>
             <p:nvSpPr>
               <p:cNvPr id="60" name="TextBox 59"/>
@@ -6055,7 +7001,7 @@
             </p:txBody>
           </p:sp>
         </mc:Choice>
-        <mc:Fallback>
+        <mc:Fallback xmlns="">
           <p:sp>
             <p:nvSpPr>
               <p:cNvPr id="60" name="TextBox 59"/>
@@ -6094,8 +7040,8 @@
           </p:sp>
         </mc:Fallback>
       </mc:AlternateContent>
-      <mc:AlternateContent xmlns:mc="http://schemas.openxmlformats.org/markup-compatibility/2006">
-        <mc:Choice xmlns:a14="http://schemas.microsoft.com/office/drawing/2010/main" Requires="a14">
+      <mc:AlternateContent xmlns:mc="http://schemas.openxmlformats.org/markup-compatibility/2006" xmlns:a14="http://schemas.microsoft.com/office/drawing/2010/main">
+        <mc:Choice Requires="a14">
           <p:sp>
             <p:nvSpPr>
               <p:cNvPr id="61" name="TextBox 60"/>
@@ -6220,7 +7166,7 @@
             </p:txBody>
           </p:sp>
         </mc:Choice>
-        <mc:Fallback>
+        <mc:Fallback xmlns="">
           <p:sp>
             <p:nvSpPr>
               <p:cNvPr id="61" name="TextBox 60"/>
@@ -6853,14 +7799,14 @@
                 <a:latin typeface="Times New Roman" panose="02020603050405020304" pitchFamily="18" charset="0"/>
                 <a:cs typeface="Times New Roman" panose="02020603050405020304" pitchFamily="18" charset="0"/>
               </a:rPr>
-              <a:t>is more </a:t>
+              <a:t>is </a:t>
             </a:r>
             <a:r>
               <a:rPr lang="en-US" b="1" dirty="0" smtClean="0">
                 <a:latin typeface="Times New Roman" panose="02020603050405020304" pitchFamily="18" charset="0"/>
                 <a:cs typeface="Times New Roman" panose="02020603050405020304" pitchFamily="18" charset="0"/>
               </a:rPr>
-              <a:t>sharp</a:t>
+              <a:t>sharper</a:t>
             </a:r>
             <a:r>
               <a:rPr lang="en-US" dirty="0" smtClean="0">
@@ -10265,7 +11211,7 @@
         </p:nvCxnSpPr>
         <p:spPr>
           <a:xfrm>
-            <a:off x="8248028" y="3686491"/>
+            <a:off x="8248028" y="3660100"/>
             <a:ext cx="748817" cy="0"/>
           </a:xfrm>
           <a:prstGeom prst="line">
@@ -11827,8 +12773,8 @@
           </a:p>
         </p:txBody>
       </p:sp>
-      <mc:AlternateContent xmlns:mc="http://schemas.openxmlformats.org/markup-compatibility/2006">
-        <mc:Choice xmlns:a14="http://schemas.microsoft.com/office/drawing/2010/main" Requires="a14">
+      <mc:AlternateContent xmlns:mc="http://schemas.openxmlformats.org/markup-compatibility/2006" xmlns:a14="http://schemas.microsoft.com/office/drawing/2010/main">
+        <mc:Choice Requires="a14">
           <p:sp>
             <p:nvSpPr>
               <p:cNvPr id="78" name="TextBox 77"/>
@@ -12025,7 +12971,7 @@
             </p:txBody>
           </p:sp>
         </mc:Choice>
-        <mc:Fallback>
+        <mc:Fallback xmlns="">
           <p:sp>
             <p:nvSpPr>
               <p:cNvPr id="78" name="TextBox 77"/>
@@ -12064,8 +13010,8 @@
           </p:sp>
         </mc:Fallback>
       </mc:AlternateContent>
-      <mc:AlternateContent xmlns:mc="http://schemas.openxmlformats.org/markup-compatibility/2006">
-        <mc:Choice xmlns:a14="http://schemas.microsoft.com/office/drawing/2010/main" Requires="a14">
+      <mc:AlternateContent xmlns:mc="http://schemas.openxmlformats.org/markup-compatibility/2006" xmlns:a14="http://schemas.microsoft.com/office/drawing/2010/main">
+        <mc:Choice Requires="a14">
           <p:sp>
             <p:nvSpPr>
               <p:cNvPr id="79" name="TextBox 78"/>
@@ -12300,7 +13246,7 @@
             </p:txBody>
           </p:sp>
         </mc:Choice>
-        <mc:Fallback>
+        <mc:Fallback xmlns="">
           <p:sp>
             <p:nvSpPr>
               <p:cNvPr id="79" name="TextBox 78"/>
@@ -12339,8 +13285,8 @@
           </p:sp>
         </mc:Fallback>
       </mc:AlternateContent>
-      <mc:AlternateContent xmlns:mc="http://schemas.openxmlformats.org/markup-compatibility/2006">
-        <mc:Choice xmlns:a14="http://schemas.microsoft.com/office/drawing/2010/main" Requires="a14">
+      <mc:AlternateContent xmlns:mc="http://schemas.openxmlformats.org/markup-compatibility/2006" xmlns:a14="http://schemas.microsoft.com/office/drawing/2010/main">
+        <mc:Choice Requires="a14">
           <p:sp>
             <p:nvSpPr>
               <p:cNvPr id="80" name="TextBox 79"/>
@@ -12575,7 +13521,7 @@
             </p:txBody>
           </p:sp>
         </mc:Choice>
-        <mc:Fallback>
+        <mc:Fallback xmlns="">
           <p:sp>
             <p:nvSpPr>
               <p:cNvPr id="80" name="TextBox 79"/>
@@ -12810,21 +13756,7 @@
                 <a:latin typeface="Times New Roman" panose="02020603050405020304" pitchFamily="18" charset="0"/>
                 <a:cs typeface="Times New Roman" panose="02020603050405020304" pitchFamily="18" charset="0"/>
               </a:rPr>
-              <a:t>Multi-Carrier Signals </a:t>
-            </a:r>
-            <a:r>
-              <a:rPr lang="sv-SE" sz="2400" b="1" dirty="0" smtClean="0">
-                <a:latin typeface="Times New Roman" panose="02020603050405020304" pitchFamily="18" charset="0"/>
-                <a:cs typeface="Times New Roman" panose="02020603050405020304" pitchFamily="18" charset="0"/>
-              </a:rPr>
-              <a:t>CPS- </a:t>
-            </a:r>
-            <a:r>
-              <a:rPr lang="sv-SE" sz="2400" b="1" dirty="0" smtClean="0">
-                <a:latin typeface="Times New Roman" panose="02020603050405020304" pitchFamily="18" charset="0"/>
-                <a:cs typeface="Times New Roman" panose="02020603050405020304" pitchFamily="18" charset="0"/>
-              </a:rPr>
-              <a:t>0-120-240</a:t>
+              <a:t>Multi-Carrier Signals CPS- 0-120-240</a:t>
             </a:r>
             <a:endParaRPr lang="sv-SE" sz="2400" b="1" dirty="0">
               <a:latin typeface="Times New Roman" panose="02020603050405020304" pitchFamily="18" charset="0"/>

--- a/Switching Function - Reduced CMV PWM/dvdtReduction/dvdt.pptx
+++ b/Switching Function - Reduced CMV PWM/dvdtReduction/dvdt.pptx
@@ -209,7 +209,7 @@
           <a:p>
             <a:fld id="{C51242EF-9523-44CC-A9D6-8A54B75E8B6F}" type="datetimeFigureOut">
               <a:rPr lang="sv-SE" smtClean="0"/>
-              <a:t>2023-08-08</a:t>
+              <a:t>2023-11-10</a:t>
             </a:fld>
             <a:endParaRPr lang="sv-SE"/>
           </a:p>
@@ -944,7 +944,7 @@
           <a:p>
             <a:fld id="{DCB46C5C-7B3C-46DF-B479-A650EF2753E0}" type="datetimeFigureOut">
               <a:rPr lang="sv-SE" smtClean="0"/>
-              <a:t>2023-08-08</a:t>
+              <a:t>2023-11-10</a:t>
             </a:fld>
             <a:endParaRPr lang="sv-SE"/>
           </a:p>
@@ -1114,7 +1114,7 @@
           <a:p>
             <a:fld id="{DCB46C5C-7B3C-46DF-B479-A650EF2753E0}" type="datetimeFigureOut">
               <a:rPr lang="sv-SE" smtClean="0"/>
-              <a:t>2023-08-08</a:t>
+              <a:t>2023-11-10</a:t>
             </a:fld>
             <a:endParaRPr lang="sv-SE"/>
           </a:p>
@@ -1294,7 +1294,7 @@
           <a:p>
             <a:fld id="{DCB46C5C-7B3C-46DF-B479-A650EF2753E0}" type="datetimeFigureOut">
               <a:rPr lang="sv-SE" smtClean="0"/>
-              <a:t>2023-08-08</a:t>
+              <a:t>2023-11-10</a:t>
             </a:fld>
             <a:endParaRPr lang="sv-SE"/>
           </a:p>
@@ -1464,7 +1464,7 @@
           <a:p>
             <a:fld id="{DCB46C5C-7B3C-46DF-B479-A650EF2753E0}" type="datetimeFigureOut">
               <a:rPr lang="sv-SE" smtClean="0"/>
-              <a:t>2023-08-08</a:t>
+              <a:t>2023-11-10</a:t>
             </a:fld>
             <a:endParaRPr lang="sv-SE"/>
           </a:p>
@@ -1710,7 +1710,7 @@
           <a:p>
             <a:fld id="{DCB46C5C-7B3C-46DF-B479-A650EF2753E0}" type="datetimeFigureOut">
               <a:rPr lang="sv-SE" smtClean="0"/>
-              <a:t>2023-08-08</a:t>
+              <a:t>2023-11-10</a:t>
             </a:fld>
             <a:endParaRPr lang="sv-SE"/>
           </a:p>
@@ -1942,7 +1942,7 @@
           <a:p>
             <a:fld id="{DCB46C5C-7B3C-46DF-B479-A650EF2753E0}" type="datetimeFigureOut">
               <a:rPr lang="sv-SE" smtClean="0"/>
-              <a:t>2023-08-08</a:t>
+              <a:t>2023-11-10</a:t>
             </a:fld>
             <a:endParaRPr lang="sv-SE"/>
           </a:p>
@@ -2309,7 +2309,7 @@
           <a:p>
             <a:fld id="{DCB46C5C-7B3C-46DF-B479-A650EF2753E0}" type="datetimeFigureOut">
               <a:rPr lang="sv-SE" smtClean="0"/>
-              <a:t>2023-08-08</a:t>
+              <a:t>2023-11-10</a:t>
             </a:fld>
             <a:endParaRPr lang="sv-SE"/>
           </a:p>
@@ -2427,7 +2427,7 @@
           <a:p>
             <a:fld id="{DCB46C5C-7B3C-46DF-B479-A650EF2753E0}" type="datetimeFigureOut">
               <a:rPr lang="sv-SE" smtClean="0"/>
-              <a:t>2023-08-08</a:t>
+              <a:t>2023-11-10</a:t>
             </a:fld>
             <a:endParaRPr lang="sv-SE"/>
           </a:p>
@@ -2522,7 +2522,7 @@
           <a:p>
             <a:fld id="{DCB46C5C-7B3C-46DF-B479-A650EF2753E0}" type="datetimeFigureOut">
               <a:rPr lang="sv-SE" smtClean="0"/>
-              <a:t>2023-08-08</a:t>
+              <a:t>2023-11-10</a:t>
             </a:fld>
             <a:endParaRPr lang="sv-SE"/>
           </a:p>
@@ -2799,7 +2799,7 @@
           <a:p>
             <a:fld id="{DCB46C5C-7B3C-46DF-B479-A650EF2753E0}" type="datetimeFigureOut">
               <a:rPr lang="sv-SE" smtClean="0"/>
-              <a:t>2023-08-08</a:t>
+              <a:t>2023-11-10</a:t>
             </a:fld>
             <a:endParaRPr lang="sv-SE"/>
           </a:p>
@@ -3052,7 +3052,7 @@
           <a:p>
             <a:fld id="{DCB46C5C-7B3C-46DF-B479-A650EF2753E0}" type="datetimeFigureOut">
               <a:rPr lang="sv-SE" smtClean="0"/>
-              <a:t>2023-08-08</a:t>
+              <a:t>2023-11-10</a:t>
             </a:fld>
             <a:endParaRPr lang="sv-SE"/>
           </a:p>
@@ -3265,7 +3265,7 @@
           <a:p>
             <a:fld id="{DCB46C5C-7B3C-46DF-B479-A650EF2753E0}" type="datetimeFigureOut">
               <a:rPr lang="sv-SE" smtClean="0"/>
-              <a:t>2023-08-08</a:t>
+              <a:t>2023-11-10</a:t>
             </a:fld>
             <a:endParaRPr lang="sv-SE"/>
           </a:p>
@@ -7221,7 +7221,7 @@
         </p:blipFill>
         <p:spPr>
           <a:xfrm>
-            <a:off x="81389" y="2705934"/>
+            <a:off x="59219" y="2711092"/>
             <a:ext cx="3700839" cy="2775629"/>
           </a:xfrm>
           <a:prstGeom prst="rect">
